--- a/模擬平台網頁_v2/教材簡報/第三單元、第四單元簡報_final.pptx
+++ b/模擬平台網頁_v2/教材簡報/第三單元、第四單元簡報_final.pptx
@@ -233,7 +233,7 @@
           <a:p>
             <a:fld id="{5EB97198-5DAF-994E-852E-8F3A4370FC2B}" type="datetimeFigureOut">
               <a:rPr kumimoji="1" lang="zh-TW" altLang="en-US" smtClean="0"/>
-              <a:t>2022/4/8</a:t>
+              <a:t>2022/4/14</a:t>
             </a:fld>
             <a:endParaRPr kumimoji="1" lang="zh-TW" altLang="en-US"/>
           </a:p>
@@ -647,7 +647,7 @@
           <a:p>
             <a:fld id="{4B4D149D-1AC6-0C4E-AB7E-19B2D9CBC675}" type="datetimeFigureOut">
               <a:rPr kumimoji="1" lang="zh-TW" altLang="en-US" smtClean="0"/>
-              <a:t>2022/4/8</a:t>
+              <a:t>2022/4/14</a:t>
             </a:fld>
             <a:endParaRPr kumimoji="1" lang="zh-TW" altLang="en-US"/>
           </a:p>
@@ -845,7 +845,7 @@
           <a:p>
             <a:fld id="{4B4D149D-1AC6-0C4E-AB7E-19B2D9CBC675}" type="datetimeFigureOut">
               <a:rPr kumimoji="1" lang="zh-TW" altLang="en-US" smtClean="0"/>
-              <a:t>2022/4/8</a:t>
+              <a:t>2022/4/14</a:t>
             </a:fld>
             <a:endParaRPr kumimoji="1" lang="zh-TW" altLang="en-US"/>
           </a:p>
@@ -1053,7 +1053,7 @@
           <a:p>
             <a:fld id="{4B4D149D-1AC6-0C4E-AB7E-19B2D9CBC675}" type="datetimeFigureOut">
               <a:rPr kumimoji="1" lang="zh-TW" altLang="en-US" smtClean="0"/>
-              <a:t>2022/4/8</a:t>
+              <a:t>2022/4/14</a:t>
             </a:fld>
             <a:endParaRPr kumimoji="1" lang="zh-TW" altLang="en-US"/>
           </a:p>
@@ -1251,7 +1251,7 @@
           <a:p>
             <a:fld id="{4B4D149D-1AC6-0C4E-AB7E-19B2D9CBC675}" type="datetimeFigureOut">
               <a:rPr kumimoji="1" lang="zh-TW" altLang="en-US" smtClean="0"/>
-              <a:t>2022/4/8</a:t>
+              <a:t>2022/4/14</a:t>
             </a:fld>
             <a:endParaRPr kumimoji="1" lang="zh-TW" altLang="en-US"/>
           </a:p>
@@ -1526,7 +1526,7 @@
           <a:p>
             <a:fld id="{4B4D149D-1AC6-0C4E-AB7E-19B2D9CBC675}" type="datetimeFigureOut">
               <a:rPr kumimoji="1" lang="zh-TW" altLang="en-US" smtClean="0"/>
-              <a:t>2022/4/8</a:t>
+              <a:t>2022/4/14</a:t>
             </a:fld>
             <a:endParaRPr kumimoji="1" lang="zh-TW" altLang="en-US"/>
           </a:p>
@@ -1791,7 +1791,7 @@
           <a:p>
             <a:fld id="{4B4D149D-1AC6-0C4E-AB7E-19B2D9CBC675}" type="datetimeFigureOut">
               <a:rPr kumimoji="1" lang="zh-TW" altLang="en-US" smtClean="0"/>
-              <a:t>2022/4/8</a:t>
+              <a:t>2022/4/14</a:t>
             </a:fld>
             <a:endParaRPr kumimoji="1" lang="zh-TW" altLang="en-US"/>
           </a:p>
@@ -2203,7 +2203,7 @@
           <a:p>
             <a:fld id="{4B4D149D-1AC6-0C4E-AB7E-19B2D9CBC675}" type="datetimeFigureOut">
               <a:rPr kumimoji="1" lang="zh-TW" altLang="en-US" smtClean="0"/>
-              <a:t>2022/4/8</a:t>
+              <a:t>2022/4/14</a:t>
             </a:fld>
             <a:endParaRPr kumimoji="1" lang="zh-TW" altLang="en-US"/>
           </a:p>
@@ -2344,7 +2344,7 @@
           <a:p>
             <a:fld id="{4B4D149D-1AC6-0C4E-AB7E-19B2D9CBC675}" type="datetimeFigureOut">
               <a:rPr kumimoji="1" lang="zh-TW" altLang="en-US" smtClean="0"/>
-              <a:t>2022/4/8</a:t>
+              <a:t>2022/4/14</a:t>
             </a:fld>
             <a:endParaRPr kumimoji="1" lang="zh-TW" altLang="en-US"/>
           </a:p>
@@ -2457,7 +2457,7 @@
           <a:p>
             <a:fld id="{4B4D149D-1AC6-0C4E-AB7E-19B2D9CBC675}" type="datetimeFigureOut">
               <a:rPr kumimoji="1" lang="zh-TW" altLang="en-US" smtClean="0"/>
-              <a:t>2022/4/8</a:t>
+              <a:t>2022/4/14</a:t>
             </a:fld>
             <a:endParaRPr kumimoji="1" lang="zh-TW" altLang="en-US"/>
           </a:p>
@@ -2768,7 +2768,7 @@
           <a:p>
             <a:fld id="{4B4D149D-1AC6-0C4E-AB7E-19B2D9CBC675}" type="datetimeFigureOut">
               <a:rPr kumimoji="1" lang="zh-TW" altLang="en-US" smtClean="0"/>
-              <a:t>2022/4/8</a:t>
+              <a:t>2022/4/14</a:t>
             </a:fld>
             <a:endParaRPr kumimoji="1" lang="zh-TW" altLang="en-US"/>
           </a:p>
@@ -3056,7 +3056,7 @@
           <a:p>
             <a:fld id="{4B4D149D-1AC6-0C4E-AB7E-19B2D9CBC675}" type="datetimeFigureOut">
               <a:rPr kumimoji="1" lang="zh-TW" altLang="en-US" smtClean="0"/>
-              <a:t>2022/4/8</a:t>
+              <a:t>2022/4/14</a:t>
             </a:fld>
             <a:endParaRPr kumimoji="1" lang="zh-TW" altLang="en-US"/>
           </a:p>
@@ -3297,7 +3297,7 @@
           <a:p>
             <a:fld id="{4B4D149D-1AC6-0C4E-AB7E-19B2D9CBC675}" type="datetimeFigureOut">
               <a:rPr kumimoji="1" lang="zh-TW" altLang="en-US" smtClean="0"/>
-              <a:t>2022/4/8</a:t>
+              <a:t>2022/4/14</a:t>
             </a:fld>
             <a:endParaRPr kumimoji="1" lang="zh-TW" altLang="en-US"/>
           </a:p>
@@ -5439,8 +5439,8 @@
             </a:p>
           </p:txBody>
         </p:sp>
-        <mc:AlternateContent xmlns:mc="http://schemas.openxmlformats.org/markup-compatibility/2006" xmlns:a14="http://schemas.microsoft.com/office/drawing/2010/main">
-          <mc:Choice Requires="a14">
+        <mc:AlternateContent xmlns:mc="http://schemas.openxmlformats.org/markup-compatibility/2006">
+          <mc:Choice xmlns:a14="http://schemas.microsoft.com/office/drawing/2010/main" Requires="a14">
             <p:sp>
               <p:nvSpPr>
                 <p:cNvPr id="47" name="文字方塊 46">
@@ -5456,7 +5456,7 @@
               <p:spPr>
                 <a:xfrm>
                   <a:off x="6531338" y="5526403"/>
-                  <a:ext cx="6068969" cy="523220"/>
+                  <a:ext cx="6146619" cy="523220"/>
                 </a:xfrm>
                 <a:prstGeom prst="rect">
                   <a:avLst/>
@@ -5501,7 +5501,7 @@
                               <a:rPr kumimoji="1" lang="en-US" altLang="zh-TW" sz="2800" b="0" i="1" smtClean="0">
                                 <a:latin typeface="Cambria Math" panose="02040503050406030204" pitchFamily="18" charset="0"/>
                               </a:rPr>
-                              <m:t>𝑤</m:t>
+                              <m:t>𝑥</m:t>
                             </m:r>
                           </m:e>
                           <m:sub>
@@ -5526,7 +5526,7 @@
                               <a:rPr kumimoji="1" lang="en-US" altLang="zh-TW" sz="2800" b="0" i="1" smtClean="0">
                                 <a:latin typeface="Cambria Math" panose="02040503050406030204" pitchFamily="18" charset="0"/>
                               </a:rPr>
-                              <m:t>𝑥</m:t>
+                              <m:t>𝑤</m:t>
                             </m:r>
                           </m:e>
                           <m:sub>
@@ -5557,7 +5557,7 @@
                               <a:rPr kumimoji="1" lang="en-US" altLang="zh-TW" sz="2800" b="0" i="1" smtClean="0">
                                 <a:latin typeface="Cambria Math" panose="02040503050406030204" pitchFamily="18" charset="0"/>
                               </a:rPr>
-                              <m:t>𝑤</m:t>
+                              <m:t>𝑥</m:t>
                             </m:r>
                           </m:e>
                           <m:sub>
@@ -5582,7 +5582,7 @@
                               <a:rPr kumimoji="1" lang="en-US" altLang="zh-TW" sz="2800" b="0" i="1" smtClean="0">
                                 <a:latin typeface="Cambria Math" panose="02040503050406030204" pitchFamily="18" charset="0"/>
                               </a:rPr>
-                              <m:t>𝑥</m:t>
+                              <m:t>𝑤</m:t>
                             </m:r>
                           </m:e>
                           <m:sub>
@@ -5613,7 +5613,7 @@
                               <a:rPr kumimoji="1" lang="en-US" altLang="zh-TW" sz="2800" b="0" i="1" smtClean="0">
                                 <a:latin typeface="Cambria Math" panose="02040503050406030204" pitchFamily="18" charset="0"/>
                               </a:rPr>
-                              <m:t>𝑤</m:t>
+                              <m:t>𝑥</m:t>
                             </m:r>
                           </m:e>
                           <m:sub>
@@ -5638,7 +5638,7 @@
                               <a:rPr kumimoji="1" lang="en-US" altLang="zh-TW" sz="2800" b="0" i="1" smtClean="0">
                                 <a:latin typeface="Cambria Math" panose="02040503050406030204" pitchFamily="18" charset="0"/>
                               </a:rPr>
-                              <m:t>𝑥</m:t>
+                              <m:t>𝑤</m:t>
                             </m:r>
                           </m:e>
                           <m:sub>
@@ -5669,7 +5669,7 @@
                               <a:rPr kumimoji="1" lang="en-US" altLang="zh-TW" sz="2800" b="0" i="1" smtClean="0">
                                 <a:latin typeface="Cambria Math" panose="02040503050406030204" pitchFamily="18" charset="0"/>
                               </a:rPr>
-                              <m:t>𝑤</m:t>
+                              <m:t>𝑥</m:t>
                             </m:r>
                           </m:e>
                           <m:sub>
@@ -5694,7 +5694,7 @@
                               <a:rPr kumimoji="1" lang="en-US" altLang="zh-TW" sz="2800" b="0" i="1" smtClean="0">
                                 <a:latin typeface="Cambria Math" panose="02040503050406030204" pitchFamily="18" charset="0"/>
                               </a:rPr>
-                              <m:t>𝑥</m:t>
+                              <m:t>𝑤</m:t>
                             </m:r>
                           </m:e>
                           <m:sub>
@@ -5714,7 +5714,7 @@
               </p:txBody>
             </p:sp>
           </mc:Choice>
-          <mc:Fallback xmlns="">
+          <mc:Fallback>
             <p:sp>
               <p:nvSpPr>
                 <p:cNvPr id="47" name="文字方塊 46">
@@ -5732,7 +5732,7 @@
               <p:spPr>
                 <a:xfrm>
                   <a:off x="6531338" y="5526403"/>
-                  <a:ext cx="6068969" cy="523220"/>
+                  <a:ext cx="6146619" cy="523220"/>
                 </a:xfrm>
                 <a:prstGeom prst="rect">
                   <a:avLst/>
@@ -7449,8 +7449,8 @@
             </a:p>
           </p:txBody>
         </p:sp>
-        <mc:AlternateContent xmlns:mc="http://schemas.openxmlformats.org/markup-compatibility/2006" xmlns:a14="http://schemas.microsoft.com/office/drawing/2010/main">
-          <mc:Choice Requires="a14">
+        <mc:AlternateContent xmlns:mc="http://schemas.openxmlformats.org/markup-compatibility/2006">
+          <mc:Choice xmlns:a14="http://schemas.microsoft.com/office/drawing/2010/main" Requires="a14">
             <p:sp>
               <p:nvSpPr>
                 <p:cNvPr id="47" name="文字方塊 46">
@@ -7466,7 +7466,7 @@
               <p:spPr>
                 <a:xfrm>
                   <a:off x="6531338" y="5526403"/>
-                  <a:ext cx="6068969" cy="523220"/>
+                  <a:ext cx="6146619" cy="523220"/>
                 </a:xfrm>
                 <a:prstGeom prst="rect">
                   <a:avLst/>
@@ -7511,7 +7511,7 @@
                               <a:rPr kumimoji="1" lang="en-US" altLang="zh-TW" sz="2800" b="0" i="1" smtClean="0">
                                 <a:latin typeface="Cambria Math" panose="02040503050406030204" pitchFamily="18" charset="0"/>
                               </a:rPr>
-                              <m:t>𝑤</m:t>
+                              <m:t>𝑥</m:t>
                             </m:r>
                           </m:e>
                           <m:sub>
@@ -7536,7 +7536,7 @@
                               <a:rPr kumimoji="1" lang="en-US" altLang="zh-TW" sz="2800" b="0" i="1" smtClean="0">
                                 <a:latin typeface="Cambria Math" panose="02040503050406030204" pitchFamily="18" charset="0"/>
                               </a:rPr>
-                              <m:t>𝑥</m:t>
+                              <m:t>𝑤</m:t>
                             </m:r>
                           </m:e>
                           <m:sub>
@@ -7567,7 +7567,7 @@
                               <a:rPr kumimoji="1" lang="en-US" altLang="zh-TW" sz="2800" b="0" i="1" smtClean="0">
                                 <a:latin typeface="Cambria Math" panose="02040503050406030204" pitchFamily="18" charset="0"/>
                               </a:rPr>
-                              <m:t>𝑤</m:t>
+                              <m:t>𝑥</m:t>
                             </m:r>
                           </m:e>
                           <m:sub>
@@ -7592,7 +7592,7 @@
                               <a:rPr kumimoji="1" lang="en-US" altLang="zh-TW" sz="2800" b="0" i="1" smtClean="0">
                                 <a:latin typeface="Cambria Math" panose="02040503050406030204" pitchFamily="18" charset="0"/>
                               </a:rPr>
-                              <m:t>𝑥</m:t>
+                              <m:t>𝑤</m:t>
                             </m:r>
                           </m:e>
                           <m:sub>
@@ -7623,7 +7623,7 @@
                               <a:rPr kumimoji="1" lang="en-US" altLang="zh-TW" sz="2800" b="0" i="1" smtClean="0">
                                 <a:latin typeface="Cambria Math" panose="02040503050406030204" pitchFamily="18" charset="0"/>
                               </a:rPr>
-                              <m:t>𝑤</m:t>
+                              <m:t>𝑥</m:t>
                             </m:r>
                           </m:e>
                           <m:sub>
@@ -7648,7 +7648,7 @@
                               <a:rPr kumimoji="1" lang="en-US" altLang="zh-TW" sz="2800" b="0" i="1" smtClean="0">
                                 <a:latin typeface="Cambria Math" panose="02040503050406030204" pitchFamily="18" charset="0"/>
                               </a:rPr>
-                              <m:t>𝑥</m:t>
+                              <m:t>𝑤</m:t>
                             </m:r>
                           </m:e>
                           <m:sub>
@@ -7679,7 +7679,7 @@
                               <a:rPr kumimoji="1" lang="en-US" altLang="zh-TW" sz="2800" b="0" i="1" smtClean="0">
                                 <a:latin typeface="Cambria Math" panose="02040503050406030204" pitchFamily="18" charset="0"/>
                               </a:rPr>
-                              <m:t>𝑤</m:t>
+                              <m:t>𝑥</m:t>
                             </m:r>
                           </m:e>
                           <m:sub>
@@ -7704,7 +7704,7 @@
                               <a:rPr kumimoji="1" lang="en-US" altLang="zh-TW" sz="2800" b="0" i="1" smtClean="0">
                                 <a:latin typeface="Cambria Math" panose="02040503050406030204" pitchFamily="18" charset="0"/>
                               </a:rPr>
-                              <m:t>𝑥</m:t>
+                              <m:t>𝑤</m:t>
                             </m:r>
                           </m:e>
                           <m:sub>
@@ -7724,7 +7724,7 @@
               </p:txBody>
             </p:sp>
           </mc:Choice>
-          <mc:Fallback xmlns="">
+          <mc:Fallback>
             <p:sp>
               <p:nvSpPr>
                 <p:cNvPr id="47" name="文字方塊 46">
@@ -7742,7 +7742,7 @@
               <p:spPr>
                 <a:xfrm>
                   <a:off x="6531338" y="5526403"/>
-                  <a:ext cx="6068969" cy="523220"/>
+                  <a:ext cx="6146619" cy="523220"/>
                 </a:xfrm>
                 <a:prstGeom prst="rect">
                   <a:avLst/>
@@ -16517,8 +16517,8 @@
             </a:p>
           </p:txBody>
         </p:sp>
-        <mc:AlternateContent xmlns:mc="http://schemas.openxmlformats.org/markup-compatibility/2006" xmlns:a14="http://schemas.microsoft.com/office/drawing/2010/main">
-          <mc:Choice Requires="a14">
+        <mc:AlternateContent xmlns:mc="http://schemas.openxmlformats.org/markup-compatibility/2006">
+          <mc:Choice xmlns:a14="http://schemas.microsoft.com/office/drawing/2010/main" Requires="a14">
             <p:sp>
               <p:nvSpPr>
                 <p:cNvPr id="47" name="文字方塊 46">
@@ -16534,7 +16534,7 @@
               <p:spPr>
                 <a:xfrm>
                   <a:off x="6531338" y="5526403"/>
-                  <a:ext cx="4119141" cy="523220"/>
+                  <a:ext cx="4196790" cy="523220"/>
                 </a:xfrm>
                 <a:prstGeom prst="rect">
                   <a:avLst/>
@@ -16579,7 +16579,7 @@
                               <a:rPr kumimoji="1" lang="en-US" altLang="zh-TW" sz="2800" b="0" i="1" smtClean="0">
                                 <a:latin typeface="Cambria Math" panose="02040503050406030204" pitchFamily="18" charset="0"/>
                               </a:rPr>
-                              <m:t>𝑤</m:t>
+                              <m:t>𝑥</m:t>
                             </m:r>
                           </m:e>
                           <m:sub>
@@ -16604,7 +16604,7 @@
                               <a:rPr kumimoji="1" lang="en-US" altLang="zh-TW" sz="2800" b="0" i="1" smtClean="0">
                                 <a:latin typeface="Cambria Math" panose="02040503050406030204" pitchFamily="18" charset="0"/>
                               </a:rPr>
-                              <m:t>𝑥</m:t>
+                              <m:t>𝑤</m:t>
                             </m:r>
                           </m:e>
                           <m:sub>
@@ -16635,7 +16635,7 @@
                               <a:rPr kumimoji="1" lang="en-US" altLang="zh-TW" sz="2800" b="0" i="1" smtClean="0">
                                 <a:latin typeface="Cambria Math" panose="02040503050406030204" pitchFamily="18" charset="0"/>
                               </a:rPr>
-                              <m:t>𝑤</m:t>
+                              <m:t>𝑥</m:t>
                             </m:r>
                           </m:e>
                           <m:sub>
@@ -16660,7 +16660,7 @@
                               <a:rPr kumimoji="1" lang="en-US" altLang="zh-TW" sz="2800" b="0" i="1" smtClean="0">
                                 <a:latin typeface="Cambria Math" panose="02040503050406030204" pitchFamily="18" charset="0"/>
                               </a:rPr>
-                              <m:t>𝑥</m:t>
+                              <m:t>𝑤</m:t>
                             </m:r>
                           </m:e>
                           <m:sub>
@@ -16691,7 +16691,7 @@
                               <a:rPr kumimoji="1" lang="en-US" altLang="zh-TW" sz="2800" b="0" i="1" smtClean="0">
                                 <a:latin typeface="Cambria Math" panose="02040503050406030204" pitchFamily="18" charset="0"/>
                               </a:rPr>
-                              <m:t>𝑤</m:t>
+                              <m:t>𝑥</m:t>
                             </m:r>
                           </m:e>
                           <m:sub>
@@ -16716,7 +16716,7 @@
                               <a:rPr kumimoji="1" lang="en-US" altLang="zh-TW" sz="2800" b="0" i="1" smtClean="0">
                                 <a:latin typeface="Cambria Math" panose="02040503050406030204" pitchFamily="18" charset="0"/>
                               </a:rPr>
-                              <m:t>𝑥</m:t>
+                              <m:t>𝑤</m:t>
                             </m:r>
                           </m:e>
                           <m:sub>
@@ -16736,7 +16736,7 @@
               </p:txBody>
             </p:sp>
           </mc:Choice>
-          <mc:Fallback xmlns="">
+          <mc:Fallback>
             <p:sp>
               <p:nvSpPr>
                 <p:cNvPr id="47" name="文字方塊 46">
@@ -16754,7 +16754,7 @@
               <p:spPr>
                 <a:xfrm>
                   <a:off x="6531338" y="5526403"/>
-                  <a:ext cx="4119141" cy="523220"/>
+                  <a:ext cx="4196790" cy="523220"/>
                 </a:xfrm>
                 <a:prstGeom prst="rect">
                   <a:avLst/>
@@ -18261,8 +18261,8 @@
             </a:p>
           </p:txBody>
         </p:sp>
-        <mc:AlternateContent xmlns:mc="http://schemas.openxmlformats.org/markup-compatibility/2006" xmlns:a14="http://schemas.microsoft.com/office/drawing/2010/main">
-          <mc:Choice Requires="a14">
+        <mc:AlternateContent xmlns:mc="http://schemas.openxmlformats.org/markup-compatibility/2006">
+          <mc:Choice xmlns:a14="http://schemas.microsoft.com/office/drawing/2010/main" Requires="a14">
             <p:sp>
               <p:nvSpPr>
                 <p:cNvPr id="47" name="文字方塊 46">
@@ -18278,7 +18278,7 @@
               <p:spPr>
                 <a:xfrm>
                   <a:off x="6531338" y="5526403"/>
-                  <a:ext cx="4119141" cy="523220"/>
+                  <a:ext cx="4196790" cy="523220"/>
                 </a:xfrm>
                 <a:prstGeom prst="rect">
                   <a:avLst/>
@@ -18323,7 +18323,7 @@
                               <a:rPr kumimoji="1" lang="en-US" altLang="zh-TW" sz="2800" b="0" i="1" smtClean="0">
                                 <a:latin typeface="Cambria Math" panose="02040503050406030204" pitchFamily="18" charset="0"/>
                               </a:rPr>
-                              <m:t>𝑤</m:t>
+                              <m:t>𝑥</m:t>
                             </m:r>
                           </m:e>
                           <m:sub>
@@ -18348,7 +18348,7 @@
                               <a:rPr kumimoji="1" lang="en-US" altLang="zh-TW" sz="2800" b="0" i="1" smtClean="0">
                                 <a:latin typeface="Cambria Math" panose="02040503050406030204" pitchFamily="18" charset="0"/>
                               </a:rPr>
-                              <m:t>𝑥</m:t>
+                              <m:t>𝑤</m:t>
                             </m:r>
                           </m:e>
                           <m:sub>
@@ -18379,7 +18379,7 @@
                               <a:rPr kumimoji="1" lang="en-US" altLang="zh-TW" sz="2800" b="0" i="1" smtClean="0">
                                 <a:latin typeface="Cambria Math" panose="02040503050406030204" pitchFamily="18" charset="0"/>
                               </a:rPr>
-                              <m:t>𝑤</m:t>
+                              <m:t>𝑥</m:t>
                             </m:r>
                           </m:e>
                           <m:sub>
@@ -18404,7 +18404,7 @@
                               <a:rPr kumimoji="1" lang="en-US" altLang="zh-TW" sz="2800" b="0" i="1" smtClean="0">
                                 <a:latin typeface="Cambria Math" panose="02040503050406030204" pitchFamily="18" charset="0"/>
                               </a:rPr>
-                              <m:t>𝑥</m:t>
+                              <m:t>𝑤</m:t>
                             </m:r>
                           </m:e>
                           <m:sub>
@@ -18435,7 +18435,7 @@
                               <a:rPr kumimoji="1" lang="en-US" altLang="zh-TW" sz="2800" b="0" i="1" smtClean="0">
                                 <a:latin typeface="Cambria Math" panose="02040503050406030204" pitchFamily="18" charset="0"/>
                               </a:rPr>
-                              <m:t>𝑤</m:t>
+                              <m:t>𝑥</m:t>
                             </m:r>
                           </m:e>
                           <m:sub>
@@ -18460,7 +18460,7 @@
                               <a:rPr kumimoji="1" lang="en-US" altLang="zh-TW" sz="2800" b="0" i="1" smtClean="0">
                                 <a:latin typeface="Cambria Math" panose="02040503050406030204" pitchFamily="18" charset="0"/>
                               </a:rPr>
-                              <m:t>𝑥</m:t>
+                              <m:t>𝑤</m:t>
                             </m:r>
                           </m:e>
                           <m:sub>
@@ -18480,7 +18480,7 @@
               </p:txBody>
             </p:sp>
           </mc:Choice>
-          <mc:Fallback xmlns="">
+          <mc:Fallback>
             <p:sp>
               <p:nvSpPr>
                 <p:cNvPr id="47" name="文字方塊 46">
@@ -18498,7 +18498,7 @@
               <p:spPr>
                 <a:xfrm>
                   <a:off x="6531338" y="5526403"/>
-                  <a:ext cx="4119141" cy="523220"/>
+                  <a:ext cx="4196790" cy="523220"/>
                 </a:xfrm>
                 <a:prstGeom prst="rect">
                   <a:avLst/>
@@ -20187,8 +20187,8 @@
             </a:p>
           </p:txBody>
         </p:sp>
-        <mc:AlternateContent xmlns:mc="http://schemas.openxmlformats.org/markup-compatibility/2006" xmlns:a14="http://schemas.microsoft.com/office/drawing/2010/main">
-          <mc:Choice Requires="a14">
+        <mc:AlternateContent xmlns:mc="http://schemas.openxmlformats.org/markup-compatibility/2006">
+          <mc:Choice xmlns:a14="http://schemas.microsoft.com/office/drawing/2010/main" Requires="a14">
             <p:sp>
               <p:nvSpPr>
                 <p:cNvPr id="47" name="文字方塊 46">
@@ -20204,7 +20204,7 @@
               <p:spPr>
                 <a:xfrm>
                   <a:off x="6531338" y="5526403"/>
-                  <a:ext cx="4119141" cy="523220"/>
+                  <a:ext cx="4196790" cy="523220"/>
                 </a:xfrm>
                 <a:prstGeom prst="rect">
                   <a:avLst/>
@@ -20249,7 +20249,7 @@
                               <a:rPr kumimoji="1" lang="en-US" altLang="zh-TW" sz="2800" b="0" i="1" smtClean="0">
                                 <a:latin typeface="Cambria Math" panose="02040503050406030204" pitchFamily="18" charset="0"/>
                               </a:rPr>
-                              <m:t>𝑤</m:t>
+                              <m:t>𝑥</m:t>
                             </m:r>
                           </m:e>
                           <m:sub>
@@ -20274,7 +20274,7 @@
                               <a:rPr kumimoji="1" lang="en-US" altLang="zh-TW" sz="2800" b="0" i="1" smtClean="0">
                                 <a:latin typeface="Cambria Math" panose="02040503050406030204" pitchFamily="18" charset="0"/>
                               </a:rPr>
-                              <m:t>𝑥</m:t>
+                              <m:t>𝑤</m:t>
                             </m:r>
                           </m:e>
                           <m:sub>
@@ -20305,7 +20305,7 @@
                               <a:rPr kumimoji="1" lang="en-US" altLang="zh-TW" sz="2800" b="0" i="1" smtClean="0">
                                 <a:latin typeface="Cambria Math" panose="02040503050406030204" pitchFamily="18" charset="0"/>
                               </a:rPr>
-                              <m:t>𝑤</m:t>
+                              <m:t>𝑥</m:t>
                             </m:r>
                           </m:e>
                           <m:sub>
@@ -20330,7 +20330,7 @@
                               <a:rPr kumimoji="1" lang="en-US" altLang="zh-TW" sz="2800" b="0" i="1" smtClean="0">
                                 <a:latin typeface="Cambria Math" panose="02040503050406030204" pitchFamily="18" charset="0"/>
                               </a:rPr>
-                              <m:t>𝑥</m:t>
+                              <m:t>𝑤</m:t>
                             </m:r>
                           </m:e>
                           <m:sub>
@@ -20361,7 +20361,7 @@
                               <a:rPr kumimoji="1" lang="en-US" altLang="zh-TW" sz="2800" b="0" i="1" smtClean="0">
                                 <a:latin typeface="Cambria Math" panose="02040503050406030204" pitchFamily="18" charset="0"/>
                               </a:rPr>
-                              <m:t>𝑤</m:t>
+                              <m:t>𝑥</m:t>
                             </m:r>
                           </m:e>
                           <m:sub>
@@ -20386,7 +20386,7 @@
                               <a:rPr kumimoji="1" lang="en-US" altLang="zh-TW" sz="2800" b="0" i="1" smtClean="0">
                                 <a:latin typeface="Cambria Math" panose="02040503050406030204" pitchFamily="18" charset="0"/>
                               </a:rPr>
-                              <m:t>𝑥</m:t>
+                              <m:t>𝑤</m:t>
                             </m:r>
                           </m:e>
                           <m:sub>
@@ -20406,7 +20406,7 @@
               </p:txBody>
             </p:sp>
           </mc:Choice>
-          <mc:Fallback xmlns="">
+          <mc:Fallback>
             <p:sp>
               <p:nvSpPr>
                 <p:cNvPr id="47" name="文字方塊 46">
@@ -20424,7 +20424,7 @@
               <p:spPr>
                 <a:xfrm>
                   <a:off x="6531338" y="5526403"/>
-                  <a:ext cx="4119141" cy="523220"/>
+                  <a:ext cx="4196790" cy="523220"/>
                 </a:xfrm>
                 <a:prstGeom prst="rect">
                   <a:avLst/>
@@ -22210,8 +22210,8 @@
             </a:p>
           </p:txBody>
         </p:sp>
-        <mc:AlternateContent xmlns:mc="http://schemas.openxmlformats.org/markup-compatibility/2006" xmlns:a14="http://schemas.microsoft.com/office/drawing/2010/main">
-          <mc:Choice Requires="a14">
+        <mc:AlternateContent xmlns:mc="http://schemas.openxmlformats.org/markup-compatibility/2006">
+          <mc:Choice xmlns:a14="http://schemas.microsoft.com/office/drawing/2010/main" Requires="a14">
             <p:sp>
               <p:nvSpPr>
                 <p:cNvPr id="47" name="文字方塊 46">
@@ -22227,7 +22227,7 @@
               <p:spPr>
                 <a:xfrm>
                   <a:off x="6531338" y="5526403"/>
-                  <a:ext cx="4119141" cy="523220"/>
+                  <a:ext cx="4196790" cy="523220"/>
                 </a:xfrm>
                 <a:prstGeom prst="rect">
                   <a:avLst/>
@@ -22272,7 +22272,7 @@
                               <a:rPr kumimoji="1" lang="en-US" altLang="zh-TW" sz="2800" b="0" i="1" smtClean="0">
                                 <a:latin typeface="Cambria Math" panose="02040503050406030204" pitchFamily="18" charset="0"/>
                               </a:rPr>
-                              <m:t>𝑤</m:t>
+                              <m:t>𝑥</m:t>
                             </m:r>
                           </m:e>
                           <m:sub>
@@ -22297,7 +22297,7 @@
                               <a:rPr kumimoji="1" lang="en-US" altLang="zh-TW" sz="2800" b="0" i="1" smtClean="0">
                                 <a:latin typeface="Cambria Math" panose="02040503050406030204" pitchFamily="18" charset="0"/>
                               </a:rPr>
-                              <m:t>𝑥</m:t>
+                              <m:t>𝑤</m:t>
                             </m:r>
                           </m:e>
                           <m:sub>
@@ -22328,7 +22328,7 @@
                               <a:rPr kumimoji="1" lang="en-US" altLang="zh-TW" sz="2800" b="0" i="1" smtClean="0">
                                 <a:latin typeface="Cambria Math" panose="02040503050406030204" pitchFamily="18" charset="0"/>
                               </a:rPr>
-                              <m:t>𝑤</m:t>
+                              <m:t>𝑥</m:t>
                             </m:r>
                           </m:e>
                           <m:sub>
@@ -22353,7 +22353,7 @@
                               <a:rPr kumimoji="1" lang="en-US" altLang="zh-TW" sz="2800" b="0" i="1" smtClean="0">
                                 <a:latin typeface="Cambria Math" panose="02040503050406030204" pitchFamily="18" charset="0"/>
                               </a:rPr>
-                              <m:t>𝑥</m:t>
+                              <m:t>𝑤</m:t>
                             </m:r>
                           </m:e>
                           <m:sub>
@@ -22384,7 +22384,7 @@
                               <a:rPr kumimoji="1" lang="en-US" altLang="zh-TW" sz="2800" b="0" i="1" smtClean="0">
                                 <a:latin typeface="Cambria Math" panose="02040503050406030204" pitchFamily="18" charset="0"/>
                               </a:rPr>
-                              <m:t>𝑤</m:t>
+                              <m:t>𝑥</m:t>
                             </m:r>
                           </m:e>
                           <m:sub>
@@ -22409,7 +22409,7 @@
                               <a:rPr kumimoji="1" lang="en-US" altLang="zh-TW" sz="2800" b="0" i="1" smtClean="0">
                                 <a:latin typeface="Cambria Math" panose="02040503050406030204" pitchFamily="18" charset="0"/>
                               </a:rPr>
-                              <m:t>𝑥</m:t>
+                              <m:t>𝑤</m:t>
                             </m:r>
                           </m:e>
                           <m:sub>
@@ -22429,7 +22429,7 @@
               </p:txBody>
             </p:sp>
           </mc:Choice>
-          <mc:Fallback xmlns="">
+          <mc:Fallback>
             <p:sp>
               <p:nvSpPr>
                 <p:cNvPr id="47" name="文字方塊 46">
@@ -22447,7 +22447,7 @@
               <p:spPr>
                 <a:xfrm>
                   <a:off x="6531338" y="5526403"/>
-                  <a:ext cx="4119141" cy="523220"/>
+                  <a:ext cx="4196790" cy="523220"/>
                 </a:xfrm>
                 <a:prstGeom prst="rect">
                   <a:avLst/>
@@ -24381,8 +24381,8 @@
             </a:p>
           </p:txBody>
         </p:sp>
-        <mc:AlternateContent xmlns:mc="http://schemas.openxmlformats.org/markup-compatibility/2006" xmlns:a14="http://schemas.microsoft.com/office/drawing/2010/main">
-          <mc:Choice Requires="a14">
+        <mc:AlternateContent xmlns:mc="http://schemas.openxmlformats.org/markup-compatibility/2006">
+          <mc:Choice xmlns:a14="http://schemas.microsoft.com/office/drawing/2010/main" Requires="a14">
             <p:sp>
               <p:nvSpPr>
                 <p:cNvPr id="47" name="文字方塊 46">
@@ -24398,7 +24398,7 @@
               <p:spPr>
                 <a:xfrm>
                   <a:off x="6531338" y="5526403"/>
-                  <a:ext cx="4119141" cy="523220"/>
+                  <a:ext cx="4196790" cy="523220"/>
                 </a:xfrm>
                 <a:prstGeom prst="rect">
                   <a:avLst/>
@@ -24443,7 +24443,7 @@
                               <a:rPr kumimoji="1" lang="en-US" altLang="zh-TW" sz="2800" b="0" i="1" smtClean="0">
                                 <a:latin typeface="Cambria Math" panose="02040503050406030204" pitchFamily="18" charset="0"/>
                               </a:rPr>
-                              <m:t>𝑤</m:t>
+                              <m:t>𝑥</m:t>
                             </m:r>
                           </m:e>
                           <m:sub>
@@ -24468,7 +24468,7 @@
                               <a:rPr kumimoji="1" lang="en-US" altLang="zh-TW" sz="2800" b="0" i="1" smtClean="0">
                                 <a:latin typeface="Cambria Math" panose="02040503050406030204" pitchFamily="18" charset="0"/>
                               </a:rPr>
-                              <m:t>𝑥</m:t>
+                              <m:t>𝑤</m:t>
                             </m:r>
                           </m:e>
                           <m:sub>
@@ -24499,7 +24499,7 @@
                               <a:rPr kumimoji="1" lang="en-US" altLang="zh-TW" sz="2800" b="0" i="1" smtClean="0">
                                 <a:latin typeface="Cambria Math" panose="02040503050406030204" pitchFamily="18" charset="0"/>
                               </a:rPr>
-                              <m:t>𝑤</m:t>
+                              <m:t>𝑥</m:t>
                             </m:r>
                           </m:e>
                           <m:sub>
@@ -24524,7 +24524,7 @@
                               <a:rPr kumimoji="1" lang="en-US" altLang="zh-TW" sz="2800" b="0" i="1" smtClean="0">
                                 <a:latin typeface="Cambria Math" panose="02040503050406030204" pitchFamily="18" charset="0"/>
                               </a:rPr>
-                              <m:t>𝑥</m:t>
+                              <m:t>𝑤</m:t>
                             </m:r>
                           </m:e>
                           <m:sub>
@@ -24555,7 +24555,7 @@
                               <a:rPr kumimoji="1" lang="en-US" altLang="zh-TW" sz="2800" b="0" i="1" smtClean="0">
                                 <a:latin typeface="Cambria Math" panose="02040503050406030204" pitchFamily="18" charset="0"/>
                               </a:rPr>
-                              <m:t>𝑤</m:t>
+                              <m:t>𝑥</m:t>
                             </m:r>
                           </m:e>
                           <m:sub>
@@ -24580,7 +24580,7 @@
                               <a:rPr kumimoji="1" lang="en-US" altLang="zh-TW" sz="2800" b="0" i="1" smtClean="0">
                                 <a:latin typeface="Cambria Math" panose="02040503050406030204" pitchFamily="18" charset="0"/>
                               </a:rPr>
-                              <m:t>𝑥</m:t>
+                              <m:t>𝑤</m:t>
                             </m:r>
                           </m:e>
                           <m:sub>
@@ -24600,7 +24600,7 @@
               </p:txBody>
             </p:sp>
           </mc:Choice>
-          <mc:Fallback xmlns="">
+          <mc:Fallback>
             <p:sp>
               <p:nvSpPr>
                 <p:cNvPr id="47" name="文字方塊 46">
@@ -24618,7 +24618,7 @@
               <p:spPr>
                 <a:xfrm>
                   <a:off x="6531338" y="5526403"/>
-                  <a:ext cx="4119141" cy="523220"/>
+                  <a:ext cx="4196790" cy="523220"/>
                 </a:xfrm>
                 <a:prstGeom prst="rect">
                   <a:avLst/>
@@ -33093,8 +33093,8 @@
             </a:p>
           </p:txBody>
         </p:sp>
-        <mc:AlternateContent xmlns:mc="http://schemas.openxmlformats.org/markup-compatibility/2006" xmlns:a14="http://schemas.microsoft.com/office/drawing/2010/main">
-          <mc:Choice Requires="a14">
+        <mc:AlternateContent xmlns:mc="http://schemas.openxmlformats.org/markup-compatibility/2006">
+          <mc:Choice xmlns:a14="http://schemas.microsoft.com/office/drawing/2010/main" Requires="a14">
             <p:sp>
               <p:nvSpPr>
                 <p:cNvPr id="47" name="文字方塊 46">
@@ -33110,7 +33110,7 @@
               <p:spPr>
                 <a:xfrm>
                   <a:off x="6531338" y="5526403"/>
-                  <a:ext cx="5766900" cy="523220"/>
+                  <a:ext cx="5844549" cy="523220"/>
                 </a:xfrm>
                 <a:prstGeom prst="rect">
                   <a:avLst/>
@@ -33167,7 +33167,7 @@
                               <a:rPr kumimoji="1" lang="en-US" altLang="zh-TW" sz="2800" b="0" i="1" smtClean="0">
                                 <a:latin typeface="Cambria Math" panose="02040503050406030204" pitchFamily="18" charset="0"/>
                               </a:rPr>
-                              <m:t>𝑤</m:t>
+                              <m:t>𝑥</m:t>
                             </m:r>
                           </m:e>
                           <m:sub>
@@ -33192,7 +33192,7 @@
                               <a:rPr kumimoji="1" lang="en-US" altLang="zh-TW" sz="2800" b="0" i="1" smtClean="0">
                                 <a:latin typeface="Cambria Math" panose="02040503050406030204" pitchFamily="18" charset="0"/>
                               </a:rPr>
-                              <m:t>𝑥</m:t>
+                              <m:t>𝑤</m:t>
                             </m:r>
                           </m:e>
                           <m:sub>
@@ -33223,7 +33223,7 @@
                               <a:rPr kumimoji="1" lang="en-US" altLang="zh-TW" sz="2800" b="0" i="1" smtClean="0">
                                 <a:latin typeface="Cambria Math" panose="02040503050406030204" pitchFamily="18" charset="0"/>
                               </a:rPr>
-                              <m:t>𝑤</m:t>
+                              <m:t>𝑥</m:t>
                             </m:r>
                           </m:e>
                           <m:sub>
@@ -33248,7 +33248,7 @@
                               <a:rPr kumimoji="1" lang="en-US" altLang="zh-TW" sz="2800" b="0" i="1" smtClean="0">
                                 <a:latin typeface="Cambria Math" panose="02040503050406030204" pitchFamily="18" charset="0"/>
                               </a:rPr>
-                              <m:t>𝑥</m:t>
+                              <m:t>𝑤</m:t>
                             </m:r>
                           </m:e>
                           <m:sub>
@@ -33279,7 +33279,7 @@
                               <a:rPr kumimoji="1" lang="en-US" altLang="zh-TW" sz="2800" b="0" i="1" smtClean="0">
                                 <a:latin typeface="Cambria Math" panose="02040503050406030204" pitchFamily="18" charset="0"/>
                               </a:rPr>
-                              <m:t>𝑤</m:t>
+                              <m:t>𝑥</m:t>
                             </m:r>
                           </m:e>
                           <m:sub>
@@ -33304,7 +33304,7 @@
                               <a:rPr kumimoji="1" lang="en-US" altLang="zh-TW" sz="2800" b="0" i="1" smtClean="0">
                                 <a:latin typeface="Cambria Math" panose="02040503050406030204" pitchFamily="18" charset="0"/>
                               </a:rPr>
-                              <m:t>𝑥</m:t>
+                              <m:t>𝑤</m:t>
                             </m:r>
                           </m:e>
                           <m:sub>
@@ -33344,7 +33344,7 @@
               </p:txBody>
             </p:sp>
           </mc:Choice>
-          <mc:Fallback xmlns="">
+          <mc:Fallback>
             <p:sp>
               <p:nvSpPr>
                 <p:cNvPr id="47" name="文字方塊 46">
@@ -33362,7 +33362,7 @@
               <p:spPr>
                 <a:xfrm>
                   <a:off x="6531338" y="5526403"/>
-                  <a:ext cx="5766900" cy="523220"/>
+                  <a:ext cx="5844549" cy="523220"/>
                 </a:xfrm>
                 <a:prstGeom prst="rect">
                   <a:avLst/>
@@ -33370,7 +33370,7 @@
                 <a:blipFill>
                   <a:blip r:embed="rId3"/>
                   <a:stretch>
-                    <a:fillRect r="-220" b="-19048"/>
+                    <a:fillRect b="-19048"/>
                   </a:stretch>
                 </a:blipFill>
               </p:spPr>
@@ -35140,8 +35140,8 @@
             </a:p>
           </p:txBody>
         </p:sp>
-        <mc:AlternateContent xmlns:mc="http://schemas.openxmlformats.org/markup-compatibility/2006" xmlns:a14="http://schemas.microsoft.com/office/drawing/2010/main">
-          <mc:Choice Requires="a14">
+        <mc:AlternateContent xmlns:mc="http://schemas.openxmlformats.org/markup-compatibility/2006">
+          <mc:Choice xmlns:a14="http://schemas.microsoft.com/office/drawing/2010/main" Requires="a14">
             <p:sp>
               <p:nvSpPr>
                 <p:cNvPr id="47" name="文字方塊 46">
@@ -35157,7 +35157,7 @@
               <p:spPr>
                 <a:xfrm>
                   <a:off x="6531338" y="5526403"/>
-                  <a:ext cx="5766900" cy="523220"/>
+                  <a:ext cx="5844549" cy="523220"/>
                 </a:xfrm>
                 <a:prstGeom prst="rect">
                   <a:avLst/>
@@ -35214,7 +35214,7 @@
                               <a:rPr kumimoji="1" lang="en-US" altLang="zh-TW" sz="2800" b="0" i="1" smtClean="0">
                                 <a:latin typeface="Cambria Math" panose="02040503050406030204" pitchFamily="18" charset="0"/>
                               </a:rPr>
-                              <m:t>𝑤</m:t>
+                              <m:t>𝑥</m:t>
                             </m:r>
                           </m:e>
                           <m:sub>
@@ -35239,7 +35239,7 @@
                               <a:rPr kumimoji="1" lang="en-US" altLang="zh-TW" sz="2800" b="0" i="1" smtClean="0">
                                 <a:latin typeface="Cambria Math" panose="02040503050406030204" pitchFamily="18" charset="0"/>
                               </a:rPr>
-                              <m:t>𝑥</m:t>
+                              <m:t>𝑤</m:t>
                             </m:r>
                           </m:e>
                           <m:sub>
@@ -35270,7 +35270,7 @@
                               <a:rPr kumimoji="1" lang="en-US" altLang="zh-TW" sz="2800" b="0" i="1" smtClean="0">
                                 <a:latin typeface="Cambria Math" panose="02040503050406030204" pitchFamily="18" charset="0"/>
                               </a:rPr>
-                              <m:t>𝑤</m:t>
+                              <m:t>𝑥</m:t>
                             </m:r>
                           </m:e>
                           <m:sub>
@@ -35295,7 +35295,7 @@
                               <a:rPr kumimoji="1" lang="en-US" altLang="zh-TW" sz="2800" b="0" i="1" smtClean="0">
                                 <a:latin typeface="Cambria Math" panose="02040503050406030204" pitchFamily="18" charset="0"/>
                               </a:rPr>
-                              <m:t>𝑥</m:t>
+                              <m:t>𝑤</m:t>
                             </m:r>
                           </m:e>
                           <m:sub>
@@ -35326,7 +35326,7 @@
                               <a:rPr kumimoji="1" lang="en-US" altLang="zh-TW" sz="2800" b="0" i="1" smtClean="0">
                                 <a:latin typeface="Cambria Math" panose="02040503050406030204" pitchFamily="18" charset="0"/>
                               </a:rPr>
-                              <m:t>𝑤</m:t>
+                              <m:t>𝑥</m:t>
                             </m:r>
                           </m:e>
                           <m:sub>
@@ -35351,7 +35351,7 @@
                               <a:rPr kumimoji="1" lang="en-US" altLang="zh-TW" sz="2800" b="0" i="1" smtClean="0">
                                 <a:latin typeface="Cambria Math" panose="02040503050406030204" pitchFamily="18" charset="0"/>
                               </a:rPr>
-                              <m:t>𝑥</m:t>
+                              <m:t>𝑤</m:t>
                             </m:r>
                           </m:e>
                           <m:sub>
@@ -35391,7 +35391,7 @@
               </p:txBody>
             </p:sp>
           </mc:Choice>
-          <mc:Fallback xmlns="">
+          <mc:Fallback>
             <p:sp>
               <p:nvSpPr>
                 <p:cNvPr id="47" name="文字方塊 46">
@@ -35409,7 +35409,7 @@
               <p:spPr>
                 <a:xfrm>
                   <a:off x="6531338" y="5526403"/>
-                  <a:ext cx="5766900" cy="523220"/>
+                  <a:ext cx="5844549" cy="523220"/>
                 </a:xfrm>
                 <a:prstGeom prst="rect">
                   <a:avLst/>
@@ -35417,7 +35417,7 @@
                 <a:blipFill>
                   <a:blip r:embed="rId3"/>
                   <a:stretch>
-                    <a:fillRect r="-220" b="-19048"/>
+                    <a:fillRect b="-19048"/>
                   </a:stretch>
                 </a:blipFill>
               </p:spPr>
@@ -37499,8 +37499,8 @@
             </a:p>
           </p:txBody>
         </p:sp>
-        <mc:AlternateContent xmlns:mc="http://schemas.openxmlformats.org/markup-compatibility/2006" xmlns:a14="http://schemas.microsoft.com/office/drawing/2010/main">
-          <mc:Choice Requires="a14">
+        <mc:AlternateContent xmlns:mc="http://schemas.openxmlformats.org/markup-compatibility/2006">
+          <mc:Choice xmlns:a14="http://schemas.microsoft.com/office/drawing/2010/main" Requires="a14">
             <p:sp>
               <p:nvSpPr>
                 <p:cNvPr id="47" name="文字方塊 46">
@@ -37516,7 +37516,7 @@
               <p:spPr>
                 <a:xfrm>
                   <a:off x="6531338" y="5526403"/>
-                  <a:ext cx="5766900" cy="523220"/>
+                  <a:ext cx="5844549" cy="523220"/>
                 </a:xfrm>
                 <a:prstGeom prst="rect">
                   <a:avLst/>
@@ -37573,7 +37573,7 @@
                               <a:rPr kumimoji="1" lang="en-US" altLang="zh-TW" sz="2800" b="0" i="1" smtClean="0">
                                 <a:latin typeface="Cambria Math" panose="02040503050406030204" pitchFamily="18" charset="0"/>
                               </a:rPr>
-                              <m:t>𝑤</m:t>
+                              <m:t>𝑥</m:t>
                             </m:r>
                           </m:e>
                           <m:sub>
@@ -37598,7 +37598,7 @@
                               <a:rPr kumimoji="1" lang="en-US" altLang="zh-TW" sz="2800" b="0" i="1" smtClean="0">
                                 <a:latin typeface="Cambria Math" panose="02040503050406030204" pitchFamily="18" charset="0"/>
                               </a:rPr>
-                              <m:t>𝑥</m:t>
+                              <m:t>𝑤</m:t>
                             </m:r>
                           </m:e>
                           <m:sub>
@@ -37629,7 +37629,7 @@
                               <a:rPr kumimoji="1" lang="en-US" altLang="zh-TW" sz="2800" b="0" i="1" smtClean="0">
                                 <a:latin typeface="Cambria Math" panose="02040503050406030204" pitchFamily="18" charset="0"/>
                               </a:rPr>
-                              <m:t>𝑤</m:t>
+                              <m:t>𝑥</m:t>
                             </m:r>
                           </m:e>
                           <m:sub>
@@ -37654,7 +37654,7 @@
                               <a:rPr kumimoji="1" lang="en-US" altLang="zh-TW" sz="2800" b="0" i="1" smtClean="0">
                                 <a:latin typeface="Cambria Math" panose="02040503050406030204" pitchFamily="18" charset="0"/>
                               </a:rPr>
-                              <m:t>𝑥</m:t>
+                              <m:t>𝑤</m:t>
                             </m:r>
                           </m:e>
                           <m:sub>
@@ -37685,7 +37685,7 @@
                               <a:rPr kumimoji="1" lang="en-US" altLang="zh-TW" sz="2800" b="0" i="1" smtClean="0">
                                 <a:latin typeface="Cambria Math" panose="02040503050406030204" pitchFamily="18" charset="0"/>
                               </a:rPr>
-                              <m:t>𝑤</m:t>
+                              <m:t>𝑥</m:t>
                             </m:r>
                           </m:e>
                           <m:sub>
@@ -37710,7 +37710,7 @@
                               <a:rPr kumimoji="1" lang="en-US" altLang="zh-TW" sz="2800" b="0" i="1" smtClean="0">
                                 <a:latin typeface="Cambria Math" panose="02040503050406030204" pitchFamily="18" charset="0"/>
                               </a:rPr>
-                              <m:t>𝑥</m:t>
+                              <m:t>𝑤</m:t>
                             </m:r>
                           </m:e>
                           <m:sub>
@@ -37750,7 +37750,7 @@
               </p:txBody>
             </p:sp>
           </mc:Choice>
-          <mc:Fallback xmlns="">
+          <mc:Fallback>
             <p:sp>
               <p:nvSpPr>
                 <p:cNvPr id="47" name="文字方塊 46">
@@ -37768,7 +37768,7 @@
               <p:spPr>
                 <a:xfrm>
                   <a:off x="6531338" y="5526403"/>
-                  <a:ext cx="5766900" cy="523220"/>
+                  <a:ext cx="5844549" cy="523220"/>
                 </a:xfrm>
                 <a:prstGeom prst="rect">
                   <a:avLst/>
@@ -37776,7 +37776,7 @@
                 <a:blipFill>
                   <a:blip r:embed="rId3"/>
                   <a:stretch>
-                    <a:fillRect r="-220" b="-19048"/>
+                    <a:fillRect b="-19048"/>
                   </a:stretch>
                 </a:blipFill>
               </p:spPr>
@@ -39546,8 +39546,8 @@
             </a:p>
           </p:txBody>
         </p:sp>
-        <mc:AlternateContent xmlns:mc="http://schemas.openxmlformats.org/markup-compatibility/2006" xmlns:a14="http://schemas.microsoft.com/office/drawing/2010/main">
-          <mc:Choice Requires="a14">
+        <mc:AlternateContent xmlns:mc="http://schemas.openxmlformats.org/markup-compatibility/2006">
+          <mc:Choice xmlns:a14="http://schemas.microsoft.com/office/drawing/2010/main" Requires="a14">
             <p:sp>
               <p:nvSpPr>
                 <p:cNvPr id="47" name="文字方塊 46">
@@ -39563,7 +39563,7 @@
               <p:spPr>
                 <a:xfrm>
                   <a:off x="6531338" y="5526403"/>
-                  <a:ext cx="5766900" cy="523220"/>
+                  <a:ext cx="5844549" cy="523220"/>
                 </a:xfrm>
                 <a:prstGeom prst="rect">
                   <a:avLst/>
@@ -39620,7 +39620,7 @@
                               <a:rPr kumimoji="1" lang="en-US" altLang="zh-TW" sz="2800" b="0" i="1" smtClean="0">
                                 <a:latin typeface="Cambria Math" panose="02040503050406030204" pitchFamily="18" charset="0"/>
                               </a:rPr>
-                              <m:t>𝑤</m:t>
+                              <m:t>𝑥</m:t>
                             </m:r>
                           </m:e>
                           <m:sub>
@@ -39645,7 +39645,7 @@
                               <a:rPr kumimoji="1" lang="en-US" altLang="zh-TW" sz="2800" b="0" i="1" smtClean="0">
                                 <a:latin typeface="Cambria Math" panose="02040503050406030204" pitchFamily="18" charset="0"/>
                               </a:rPr>
-                              <m:t>𝑥</m:t>
+                              <m:t>𝑤</m:t>
                             </m:r>
                           </m:e>
                           <m:sub>
@@ -39676,7 +39676,7 @@
                               <a:rPr kumimoji="1" lang="en-US" altLang="zh-TW" sz="2800" b="0" i="1" smtClean="0">
                                 <a:latin typeface="Cambria Math" panose="02040503050406030204" pitchFamily="18" charset="0"/>
                               </a:rPr>
-                              <m:t>𝑤</m:t>
+                              <m:t>𝑥</m:t>
                             </m:r>
                           </m:e>
                           <m:sub>
@@ -39701,7 +39701,7 @@
                               <a:rPr kumimoji="1" lang="en-US" altLang="zh-TW" sz="2800" b="0" i="1" smtClean="0">
                                 <a:latin typeface="Cambria Math" panose="02040503050406030204" pitchFamily="18" charset="0"/>
                               </a:rPr>
-                              <m:t>𝑥</m:t>
+                              <m:t>𝑤</m:t>
                             </m:r>
                           </m:e>
                           <m:sub>
@@ -39732,7 +39732,7 @@
                               <a:rPr kumimoji="1" lang="en-US" altLang="zh-TW" sz="2800" b="0" i="1" smtClean="0">
                                 <a:latin typeface="Cambria Math" panose="02040503050406030204" pitchFamily="18" charset="0"/>
                               </a:rPr>
-                              <m:t>𝑤</m:t>
+                              <m:t>𝑥</m:t>
                             </m:r>
                           </m:e>
                           <m:sub>
@@ -39757,7 +39757,7 @@
                               <a:rPr kumimoji="1" lang="en-US" altLang="zh-TW" sz="2800" b="0" i="1" smtClean="0">
                                 <a:latin typeface="Cambria Math" panose="02040503050406030204" pitchFamily="18" charset="0"/>
                               </a:rPr>
-                              <m:t>𝑥</m:t>
+                              <m:t>𝑤</m:t>
                             </m:r>
                           </m:e>
                           <m:sub>
@@ -39797,7 +39797,7 @@
               </p:txBody>
             </p:sp>
           </mc:Choice>
-          <mc:Fallback xmlns="">
+          <mc:Fallback>
             <p:sp>
               <p:nvSpPr>
                 <p:cNvPr id="47" name="文字方塊 46">
@@ -39815,7 +39815,7 @@
               <p:spPr>
                 <a:xfrm>
                   <a:off x="6531338" y="5526403"/>
-                  <a:ext cx="5766900" cy="523220"/>
+                  <a:ext cx="5844549" cy="523220"/>
                 </a:xfrm>
                 <a:prstGeom prst="rect">
                   <a:avLst/>
@@ -39823,7 +39823,7 @@
                 <a:blipFill>
                   <a:blip r:embed="rId3"/>
                   <a:stretch>
-                    <a:fillRect r="-220" b="-19048"/>
+                    <a:fillRect b="-19048"/>
                   </a:stretch>
                 </a:blipFill>
               </p:spPr>
@@ -42573,8 +42573,8 @@
             </a:p>
           </p:txBody>
         </p:sp>
-        <mc:AlternateContent xmlns:mc="http://schemas.openxmlformats.org/markup-compatibility/2006">
-          <mc:Choice xmlns:a14="http://schemas.microsoft.com/office/drawing/2010/main" Requires="a14">
+        <mc:AlternateContent xmlns:mc="http://schemas.openxmlformats.org/markup-compatibility/2006" xmlns:a14="http://schemas.microsoft.com/office/drawing/2010/main">
+          <mc:Choice Requires="a14">
             <p:sp>
               <p:nvSpPr>
                 <p:cNvPr id="21" name="文字方塊 20">
@@ -42793,7 +42793,7 @@
               </p:txBody>
             </p:sp>
           </mc:Choice>
-          <mc:Fallback>
+          <mc:Fallback xmlns="">
             <p:sp>
               <p:nvSpPr>
                 <p:cNvPr id="21" name="文字方塊 20">
@@ -43784,8 +43784,8 @@
             </a:p>
           </p:txBody>
         </p:sp>
-        <mc:AlternateContent xmlns:mc="http://schemas.openxmlformats.org/markup-compatibility/2006">
-          <mc:Choice xmlns:a14="http://schemas.microsoft.com/office/drawing/2010/main" Requires="a14">
+        <mc:AlternateContent xmlns:mc="http://schemas.openxmlformats.org/markup-compatibility/2006" xmlns:a14="http://schemas.microsoft.com/office/drawing/2010/main">
+          <mc:Choice Requires="a14">
             <p:sp>
               <p:nvSpPr>
                 <p:cNvPr id="27" name="文字方塊 26">
@@ -44004,7 +44004,7 @@
               </p:txBody>
             </p:sp>
           </mc:Choice>
-          <mc:Fallback>
+          <mc:Fallback xmlns="">
             <p:sp>
               <p:nvSpPr>
                 <p:cNvPr id="27" name="文字方塊 26">
@@ -44770,8 +44770,8 @@
             </a:p>
           </p:txBody>
         </p:sp>
-        <mc:AlternateContent xmlns:mc="http://schemas.openxmlformats.org/markup-compatibility/2006">
-          <mc:Choice xmlns:a14="http://schemas.microsoft.com/office/drawing/2010/main" Requires="a14">
+        <mc:AlternateContent xmlns:mc="http://schemas.openxmlformats.org/markup-compatibility/2006" xmlns:a14="http://schemas.microsoft.com/office/drawing/2010/main">
+          <mc:Choice Requires="a14">
             <p:sp>
               <p:nvSpPr>
                 <p:cNvPr id="27" name="文字方塊 26">
@@ -44990,7 +44990,7 @@
               </p:txBody>
             </p:sp>
           </mc:Choice>
-          <mc:Fallback>
+          <mc:Fallback xmlns="">
             <p:sp>
               <p:nvSpPr>
                 <p:cNvPr id="27" name="文字方塊 26">

--- a/模擬平台網頁_v2/教材簡報/第三單元、第四單元簡報_final.pptx
+++ b/模擬平台網頁_v2/教材簡報/第三單元、第四單元簡報_final.pptx
@@ -9596,36 +9596,6 @@
           </a:p>
         </p:txBody>
       </p:sp>
-      <p:pic>
-        <p:nvPicPr>
-          <p:cNvPr id="38" name="圖片 37">
-            <a:extLst>
-              <a:ext uri="{FF2B5EF4-FFF2-40B4-BE49-F238E27FC236}">
-                <a16:creationId xmlns:a16="http://schemas.microsoft.com/office/drawing/2014/main" id="{ACFF2D32-9D50-974F-A3B5-6B3C820B5876}"/>
-              </a:ext>
-            </a:extLst>
-          </p:cNvPr>
-          <p:cNvPicPr>
-            <a:picLocks noChangeAspect="1"/>
-          </p:cNvPicPr>
-          <p:nvPr/>
-        </p:nvPicPr>
-        <p:blipFill>
-          <a:blip r:embed="rId3"/>
-          <a:stretch>
-            <a:fillRect/>
-          </a:stretch>
-        </p:blipFill>
-        <p:spPr>
-          <a:xfrm>
-            <a:off x="178993" y="2437883"/>
-            <a:ext cx="2017449" cy="1768381"/>
-          </a:xfrm>
-          <a:prstGeom prst="rect">
-            <a:avLst/>
-          </a:prstGeom>
-        </p:spPr>
-      </p:pic>
       <p:cxnSp>
         <p:nvCxnSpPr>
           <p:cNvPr id="39" name="直線接點 38">
@@ -9753,6 +9723,36 @@
           </a:p>
         </p:txBody>
       </p:sp>
+      <p:pic>
+        <p:nvPicPr>
+          <p:cNvPr id="34" name="圖片 33">
+            <a:extLst>
+              <a:ext uri="{FF2B5EF4-FFF2-40B4-BE49-F238E27FC236}">
+                <a16:creationId xmlns:a16="http://schemas.microsoft.com/office/drawing/2014/main" id="{B3E39717-D1D0-804E-85BD-E2C298890973}"/>
+              </a:ext>
+            </a:extLst>
+          </p:cNvPr>
+          <p:cNvPicPr>
+            <a:picLocks noChangeAspect="1"/>
+          </p:cNvPicPr>
+          <p:nvPr/>
+        </p:nvPicPr>
+        <p:blipFill>
+          <a:blip r:embed="rId3"/>
+          <a:stretch>
+            <a:fillRect/>
+          </a:stretch>
+        </p:blipFill>
+        <p:spPr>
+          <a:xfrm>
+            <a:off x="235377" y="2323240"/>
+            <a:ext cx="1761061" cy="1832750"/>
+          </a:xfrm>
+          <a:prstGeom prst="rect">
+            <a:avLst/>
+          </a:prstGeom>
+        </p:spPr>
+      </p:pic>
     </p:spTree>
     <p:extLst>
       <p:ext uri="{BB962C8B-B14F-4D97-AF65-F5344CB8AC3E}">
@@ -11323,36 +11323,6 @@
           </a:p>
         </p:txBody>
       </p:sp>
-      <p:pic>
-        <p:nvPicPr>
-          <p:cNvPr id="38" name="圖片 37">
-            <a:extLst>
-              <a:ext uri="{FF2B5EF4-FFF2-40B4-BE49-F238E27FC236}">
-                <a16:creationId xmlns:a16="http://schemas.microsoft.com/office/drawing/2014/main" id="{ACFF2D32-9D50-974F-A3B5-6B3C820B5876}"/>
-              </a:ext>
-            </a:extLst>
-          </p:cNvPr>
-          <p:cNvPicPr>
-            <a:picLocks noChangeAspect="1"/>
-          </p:cNvPicPr>
-          <p:nvPr/>
-        </p:nvPicPr>
-        <p:blipFill>
-          <a:blip r:embed="rId3"/>
-          <a:stretch>
-            <a:fillRect/>
-          </a:stretch>
-        </p:blipFill>
-        <p:spPr>
-          <a:xfrm>
-            <a:off x="178993" y="2437883"/>
-            <a:ext cx="2017449" cy="1768381"/>
-          </a:xfrm>
-          <a:prstGeom prst="rect">
-            <a:avLst/>
-          </a:prstGeom>
-        </p:spPr>
-      </p:pic>
       <p:cxnSp>
         <p:nvCxnSpPr>
           <p:cNvPr id="39" name="直線接點 38">
@@ -11532,6 +11502,36 @@
           </a:p>
         </p:txBody>
       </p:sp>
+      <p:pic>
+        <p:nvPicPr>
+          <p:cNvPr id="35" name="圖片 34">
+            <a:extLst>
+              <a:ext uri="{FF2B5EF4-FFF2-40B4-BE49-F238E27FC236}">
+                <a16:creationId xmlns:a16="http://schemas.microsoft.com/office/drawing/2014/main" id="{20149CEC-723D-184F-856D-82F7A74A1DFE}"/>
+              </a:ext>
+            </a:extLst>
+          </p:cNvPr>
+          <p:cNvPicPr>
+            <a:picLocks noChangeAspect="1"/>
+          </p:cNvPicPr>
+          <p:nvPr/>
+        </p:nvPicPr>
+        <p:blipFill>
+          <a:blip r:embed="rId3"/>
+          <a:stretch>
+            <a:fillRect/>
+          </a:stretch>
+        </p:blipFill>
+        <p:spPr>
+          <a:xfrm>
+            <a:off x="235377" y="2323240"/>
+            <a:ext cx="1761061" cy="1832750"/>
+          </a:xfrm>
+          <a:prstGeom prst="rect">
+            <a:avLst/>
+          </a:prstGeom>
+        </p:spPr>
+      </p:pic>
     </p:spTree>
     <p:extLst>
       <p:ext uri="{BB962C8B-B14F-4D97-AF65-F5344CB8AC3E}">
@@ -13098,36 +13098,6 @@
           </a:p>
         </p:txBody>
       </p:sp>
-      <p:pic>
-        <p:nvPicPr>
-          <p:cNvPr id="38" name="圖片 37">
-            <a:extLst>
-              <a:ext uri="{FF2B5EF4-FFF2-40B4-BE49-F238E27FC236}">
-                <a16:creationId xmlns:a16="http://schemas.microsoft.com/office/drawing/2014/main" id="{ACFF2D32-9D50-974F-A3B5-6B3C820B5876}"/>
-              </a:ext>
-            </a:extLst>
-          </p:cNvPr>
-          <p:cNvPicPr>
-            <a:picLocks noChangeAspect="1"/>
-          </p:cNvPicPr>
-          <p:nvPr/>
-        </p:nvPicPr>
-        <p:blipFill>
-          <a:blip r:embed="rId3"/>
-          <a:stretch>
-            <a:fillRect/>
-          </a:stretch>
-        </p:blipFill>
-        <p:spPr>
-          <a:xfrm>
-            <a:off x="178993" y="2437883"/>
-            <a:ext cx="2017449" cy="1768381"/>
-          </a:xfrm>
-          <a:prstGeom prst="rect">
-            <a:avLst/>
-          </a:prstGeom>
-        </p:spPr>
-      </p:pic>
       <p:cxnSp>
         <p:nvCxnSpPr>
           <p:cNvPr id="39" name="直線接點 38">
@@ -13255,6 +13225,36 @@
           </a:p>
         </p:txBody>
       </p:sp>
+      <p:pic>
+        <p:nvPicPr>
+          <p:cNvPr id="34" name="圖片 33">
+            <a:extLst>
+              <a:ext uri="{FF2B5EF4-FFF2-40B4-BE49-F238E27FC236}">
+                <a16:creationId xmlns:a16="http://schemas.microsoft.com/office/drawing/2014/main" id="{08DA8406-7D4B-B94A-93E4-24EDBA5460A9}"/>
+              </a:ext>
+            </a:extLst>
+          </p:cNvPr>
+          <p:cNvPicPr>
+            <a:picLocks noChangeAspect="1"/>
+          </p:cNvPicPr>
+          <p:nvPr/>
+        </p:nvPicPr>
+        <p:blipFill>
+          <a:blip r:embed="rId3"/>
+          <a:stretch>
+            <a:fillRect/>
+          </a:stretch>
+        </p:blipFill>
+        <p:spPr>
+          <a:xfrm>
+            <a:off x="235377" y="2323240"/>
+            <a:ext cx="1761061" cy="1832750"/>
+          </a:xfrm>
+          <a:prstGeom prst="rect">
+            <a:avLst/>
+          </a:prstGeom>
+        </p:spPr>
+      </p:pic>
     </p:spTree>
     <p:extLst>
       <p:ext uri="{BB962C8B-B14F-4D97-AF65-F5344CB8AC3E}">
@@ -14821,36 +14821,6 @@
           </a:p>
         </p:txBody>
       </p:sp>
-      <p:pic>
-        <p:nvPicPr>
-          <p:cNvPr id="38" name="圖片 37">
-            <a:extLst>
-              <a:ext uri="{FF2B5EF4-FFF2-40B4-BE49-F238E27FC236}">
-                <a16:creationId xmlns:a16="http://schemas.microsoft.com/office/drawing/2014/main" id="{ACFF2D32-9D50-974F-A3B5-6B3C820B5876}"/>
-              </a:ext>
-            </a:extLst>
-          </p:cNvPr>
-          <p:cNvPicPr>
-            <a:picLocks noChangeAspect="1"/>
-          </p:cNvPicPr>
-          <p:nvPr/>
-        </p:nvPicPr>
-        <p:blipFill>
-          <a:blip r:embed="rId3"/>
-          <a:stretch>
-            <a:fillRect/>
-          </a:stretch>
-        </p:blipFill>
-        <p:spPr>
-          <a:xfrm>
-            <a:off x="178993" y="2437883"/>
-            <a:ext cx="2017449" cy="1768381"/>
-          </a:xfrm>
-          <a:prstGeom prst="rect">
-            <a:avLst/>
-          </a:prstGeom>
-        </p:spPr>
-      </p:pic>
       <p:cxnSp>
         <p:nvCxnSpPr>
           <p:cNvPr id="39" name="直線接點 38">
@@ -15170,6 +15140,36 @@
           </p:txBody>
         </p:sp>
       </p:grpSp>
+      <p:pic>
+        <p:nvPicPr>
+          <p:cNvPr id="37" name="圖片 36">
+            <a:extLst>
+              <a:ext uri="{FF2B5EF4-FFF2-40B4-BE49-F238E27FC236}">
+                <a16:creationId xmlns:a16="http://schemas.microsoft.com/office/drawing/2014/main" id="{DD35BEB1-B8F6-404A-A4F6-B563C06B3E52}"/>
+              </a:ext>
+            </a:extLst>
+          </p:cNvPr>
+          <p:cNvPicPr>
+            <a:picLocks noChangeAspect="1"/>
+          </p:cNvPicPr>
+          <p:nvPr/>
+        </p:nvPicPr>
+        <p:blipFill>
+          <a:blip r:embed="rId3"/>
+          <a:stretch>
+            <a:fillRect/>
+          </a:stretch>
+        </p:blipFill>
+        <p:spPr>
+          <a:xfrm>
+            <a:off x="235377" y="2323240"/>
+            <a:ext cx="1761061" cy="1832750"/>
+          </a:xfrm>
+          <a:prstGeom prst="rect">
+            <a:avLst/>
+          </a:prstGeom>
+        </p:spPr>
+      </p:pic>
     </p:spTree>
     <p:extLst>
       <p:ext uri="{BB962C8B-B14F-4D97-AF65-F5344CB8AC3E}">
@@ -41910,12 +41910,72 @@
           </a:fontRef>
         </p:style>
       </p:cxnSp>
+      <p:sp>
+        <p:nvSpPr>
+          <p:cNvPr id="10" name="文字方塊 9">
+            <a:extLst>
+              <a:ext uri="{FF2B5EF4-FFF2-40B4-BE49-F238E27FC236}">
+                <a16:creationId xmlns:a16="http://schemas.microsoft.com/office/drawing/2014/main" id="{CC4EDB64-CF74-2F44-BE3A-832D936C8AFE}"/>
+              </a:ext>
+            </a:extLst>
+          </p:cNvPr>
+          <p:cNvSpPr txBox="1"/>
+          <p:nvPr/>
+        </p:nvSpPr>
+        <p:spPr>
+          <a:xfrm>
+            <a:off x="9912096" y="4281023"/>
+            <a:ext cx="1415772" cy="830997"/>
+          </a:xfrm>
+          <a:prstGeom prst="rect">
+            <a:avLst/>
+          </a:prstGeom>
+          <a:noFill/>
+        </p:spPr>
+        <p:txBody>
+          <a:bodyPr wrap="none" rtlCol="0">
+            <a:spAutoFit/>
+          </a:bodyPr>
+          <a:lstStyle/>
+          <a:p>
+            <a:r>
+              <a:rPr kumimoji="1" lang="zh-TW" altLang="en-US" sz="2400" dirty="0">
+                <a:solidFill>
+                  <a:srgbClr val="FF0000"/>
+                </a:solidFill>
+                <a:latin typeface="Heiti SC Medium" pitchFamily="2" charset="-128"/>
+                <a:ea typeface="Heiti SC Medium" pitchFamily="2" charset="-128"/>
+              </a:rPr>
+              <a:t>分錯了！</a:t>
+            </a:r>
+            <a:endParaRPr kumimoji="1" lang="en-US" altLang="zh-TW" sz="2400" dirty="0">
+              <a:solidFill>
+                <a:srgbClr val="FF0000"/>
+              </a:solidFill>
+              <a:latin typeface="Heiti SC Medium" pitchFamily="2" charset="-128"/>
+              <a:ea typeface="Heiti SC Medium" pitchFamily="2" charset="-128"/>
+            </a:endParaRPr>
+          </a:p>
+          <a:p>
+            <a:r>
+              <a:rPr kumimoji="1" lang="zh-TW" altLang="en-US" sz="2400" dirty="0">
+                <a:solidFill>
+                  <a:srgbClr val="FF0000"/>
+                </a:solidFill>
+                <a:latin typeface="Heiti SC Medium" pitchFamily="2" charset="-128"/>
+                <a:ea typeface="Heiti SC Medium" pitchFamily="2" charset="-128"/>
+              </a:rPr>
+              <a:t>有誤差！</a:t>
+            </a:r>
+          </a:p>
+        </p:txBody>
+      </p:sp>
       <p:pic>
         <p:nvPicPr>
-          <p:cNvPr id="9" name="圖片 8">
-            <a:extLst>
-              <a:ext uri="{FF2B5EF4-FFF2-40B4-BE49-F238E27FC236}">
-                <a16:creationId xmlns:a16="http://schemas.microsoft.com/office/drawing/2014/main" id="{A07AA3C4-E800-6541-9627-A168EB4EE9FA}"/>
+          <p:cNvPr id="8" name="圖片 7">
+            <a:extLst>
+              <a:ext uri="{FF2B5EF4-FFF2-40B4-BE49-F238E27FC236}">
+                <a16:creationId xmlns:a16="http://schemas.microsoft.com/office/drawing/2014/main" id="{3B442651-A735-B14A-8EB6-7907D77C348A}"/>
               </a:ext>
             </a:extLst>
           </p:cNvPr>
@@ -41932,74 +41992,14 @@
         </p:blipFill>
         <p:spPr>
           <a:xfrm>
-            <a:off x="838200" y="2767098"/>
-            <a:ext cx="2017449" cy="1768381"/>
+            <a:off x="1089535" y="2734914"/>
+            <a:ext cx="1761061" cy="1832750"/>
           </a:xfrm>
           <a:prstGeom prst="rect">
             <a:avLst/>
           </a:prstGeom>
         </p:spPr>
       </p:pic>
-      <p:sp>
-        <p:nvSpPr>
-          <p:cNvPr id="10" name="文字方塊 9">
-            <a:extLst>
-              <a:ext uri="{FF2B5EF4-FFF2-40B4-BE49-F238E27FC236}">
-                <a16:creationId xmlns:a16="http://schemas.microsoft.com/office/drawing/2014/main" id="{CC4EDB64-CF74-2F44-BE3A-832D936C8AFE}"/>
-              </a:ext>
-            </a:extLst>
-          </p:cNvPr>
-          <p:cNvSpPr txBox="1"/>
-          <p:nvPr/>
-        </p:nvSpPr>
-        <p:spPr>
-          <a:xfrm>
-            <a:off x="9912096" y="4281023"/>
-            <a:ext cx="1415772" cy="830997"/>
-          </a:xfrm>
-          <a:prstGeom prst="rect">
-            <a:avLst/>
-          </a:prstGeom>
-          <a:noFill/>
-        </p:spPr>
-        <p:txBody>
-          <a:bodyPr wrap="none" rtlCol="0">
-            <a:spAutoFit/>
-          </a:bodyPr>
-          <a:lstStyle/>
-          <a:p>
-            <a:r>
-              <a:rPr kumimoji="1" lang="zh-TW" altLang="en-US" sz="2400" dirty="0">
-                <a:solidFill>
-                  <a:srgbClr val="FF0000"/>
-                </a:solidFill>
-                <a:latin typeface="Heiti SC Medium" pitchFamily="2" charset="-128"/>
-                <a:ea typeface="Heiti SC Medium" pitchFamily="2" charset="-128"/>
-              </a:rPr>
-              <a:t>分錯了！</a:t>
-            </a:r>
-            <a:endParaRPr kumimoji="1" lang="en-US" altLang="zh-TW" sz="2400" dirty="0">
-              <a:solidFill>
-                <a:srgbClr val="FF0000"/>
-              </a:solidFill>
-              <a:latin typeface="Heiti SC Medium" pitchFamily="2" charset="-128"/>
-              <a:ea typeface="Heiti SC Medium" pitchFamily="2" charset="-128"/>
-            </a:endParaRPr>
-          </a:p>
-          <a:p>
-            <a:r>
-              <a:rPr kumimoji="1" lang="zh-TW" altLang="en-US" sz="2400" dirty="0">
-                <a:solidFill>
-                  <a:srgbClr val="FF0000"/>
-                </a:solidFill>
-                <a:latin typeface="Heiti SC Medium" pitchFamily="2" charset="-128"/>
-                <a:ea typeface="Heiti SC Medium" pitchFamily="2" charset="-128"/>
-              </a:rPr>
-              <a:t>有誤差！</a:t>
-            </a:r>
-          </a:p>
-        </p:txBody>
-      </p:sp>
     </p:spTree>
     <p:extLst>
       <p:ext uri="{BB962C8B-B14F-4D97-AF65-F5344CB8AC3E}">
@@ -42403,36 +42403,6 @@
           </a:fontRef>
         </p:style>
       </p:cxnSp>
-      <p:pic>
-        <p:nvPicPr>
-          <p:cNvPr id="9" name="圖片 8">
-            <a:extLst>
-              <a:ext uri="{FF2B5EF4-FFF2-40B4-BE49-F238E27FC236}">
-                <a16:creationId xmlns:a16="http://schemas.microsoft.com/office/drawing/2014/main" id="{A07AA3C4-E800-6541-9627-A168EB4EE9FA}"/>
-              </a:ext>
-            </a:extLst>
-          </p:cNvPr>
-          <p:cNvPicPr>
-            <a:picLocks noChangeAspect="1"/>
-          </p:cNvPicPr>
-          <p:nvPr/>
-        </p:nvPicPr>
-        <p:blipFill>
-          <a:blip r:embed="rId3"/>
-          <a:stretch>
-            <a:fillRect/>
-          </a:stretch>
-        </p:blipFill>
-        <p:spPr>
-          <a:xfrm>
-            <a:off x="838200" y="2767098"/>
-            <a:ext cx="2017449" cy="1768381"/>
-          </a:xfrm>
-          <a:prstGeom prst="rect">
-            <a:avLst/>
-          </a:prstGeom>
-        </p:spPr>
-      </p:pic>
       <p:sp>
         <p:nvSpPr>
           <p:cNvPr id="10" name="文字方塊 9">
@@ -43211,6 +43181,36 @@
           </a:p>
         </p:txBody>
       </p:sp>
+      <p:pic>
+        <p:nvPicPr>
+          <p:cNvPr id="25" name="圖片 24">
+            <a:extLst>
+              <a:ext uri="{FF2B5EF4-FFF2-40B4-BE49-F238E27FC236}">
+                <a16:creationId xmlns:a16="http://schemas.microsoft.com/office/drawing/2014/main" id="{6AE67079-4376-A340-9F63-7D7496D5100E}"/>
+              </a:ext>
+            </a:extLst>
+          </p:cNvPr>
+          <p:cNvPicPr>
+            <a:picLocks noChangeAspect="1"/>
+          </p:cNvPicPr>
+          <p:nvPr/>
+        </p:nvPicPr>
+        <p:blipFill>
+          <a:blip r:embed="rId5"/>
+          <a:stretch>
+            <a:fillRect/>
+          </a:stretch>
+        </p:blipFill>
+        <p:spPr>
+          <a:xfrm>
+            <a:off x="1089535" y="2734914"/>
+            <a:ext cx="1761061" cy="1832750"/>
+          </a:xfrm>
+          <a:prstGeom prst="rect">
+            <a:avLst/>
+          </a:prstGeom>
+        </p:spPr>
+      </p:pic>
     </p:spTree>
     <p:extLst>
       <p:ext uri="{BB962C8B-B14F-4D97-AF65-F5344CB8AC3E}">
@@ -43614,36 +43614,6 @@
           </a:fontRef>
         </p:style>
       </p:cxnSp>
-      <p:pic>
-        <p:nvPicPr>
-          <p:cNvPr id="9" name="圖片 8">
-            <a:extLst>
-              <a:ext uri="{FF2B5EF4-FFF2-40B4-BE49-F238E27FC236}">
-                <a16:creationId xmlns:a16="http://schemas.microsoft.com/office/drawing/2014/main" id="{A07AA3C4-E800-6541-9627-A168EB4EE9FA}"/>
-              </a:ext>
-            </a:extLst>
-          </p:cNvPr>
-          <p:cNvPicPr>
-            <a:picLocks noChangeAspect="1"/>
-          </p:cNvPicPr>
-          <p:nvPr/>
-        </p:nvPicPr>
-        <p:blipFill>
-          <a:blip r:embed="rId3"/>
-          <a:stretch>
-            <a:fillRect/>
-          </a:stretch>
-        </p:blipFill>
-        <p:spPr>
-          <a:xfrm>
-            <a:off x="838200" y="2401338"/>
-            <a:ext cx="2017449" cy="1768381"/>
-          </a:xfrm>
-          <a:prstGeom prst="rect">
-            <a:avLst/>
-          </a:prstGeom>
-        </p:spPr>
-      </p:pic>
       <p:sp>
         <p:nvSpPr>
           <p:cNvPr id="10" name="文字方塊 9">
@@ -44257,6 +44227,36 @@
           </a:p>
         </p:txBody>
       </p:sp>
+      <p:pic>
+        <p:nvPicPr>
+          <p:cNvPr id="20" name="圖片 19">
+            <a:extLst>
+              <a:ext uri="{FF2B5EF4-FFF2-40B4-BE49-F238E27FC236}">
+                <a16:creationId xmlns:a16="http://schemas.microsoft.com/office/drawing/2014/main" id="{1CFD241B-8C27-C641-A42C-CE7B76109B50}"/>
+              </a:ext>
+            </a:extLst>
+          </p:cNvPr>
+          <p:cNvPicPr>
+            <a:picLocks noChangeAspect="1"/>
+          </p:cNvPicPr>
+          <p:nvPr/>
+        </p:nvPicPr>
+        <p:blipFill>
+          <a:blip r:embed="rId5"/>
+          <a:stretch>
+            <a:fillRect/>
+          </a:stretch>
+        </p:blipFill>
+        <p:spPr>
+          <a:xfrm>
+            <a:off x="1089535" y="2257151"/>
+            <a:ext cx="1761061" cy="1832750"/>
+          </a:xfrm>
+          <a:prstGeom prst="rect">
+            <a:avLst/>
+          </a:prstGeom>
+        </p:spPr>
+      </p:pic>
     </p:spTree>
     <p:extLst>
       <p:ext uri="{BB962C8B-B14F-4D97-AF65-F5344CB8AC3E}">
@@ -44660,36 +44660,6 @@
           </a:fontRef>
         </p:style>
       </p:cxnSp>
-      <p:pic>
-        <p:nvPicPr>
-          <p:cNvPr id="9" name="圖片 8">
-            <a:extLst>
-              <a:ext uri="{FF2B5EF4-FFF2-40B4-BE49-F238E27FC236}">
-                <a16:creationId xmlns:a16="http://schemas.microsoft.com/office/drawing/2014/main" id="{A07AA3C4-E800-6541-9627-A168EB4EE9FA}"/>
-              </a:ext>
-            </a:extLst>
-          </p:cNvPr>
-          <p:cNvPicPr>
-            <a:picLocks noChangeAspect="1"/>
-          </p:cNvPicPr>
-          <p:nvPr/>
-        </p:nvPicPr>
-        <p:blipFill>
-          <a:blip r:embed="rId3"/>
-          <a:stretch>
-            <a:fillRect/>
-          </a:stretch>
-        </p:blipFill>
-        <p:spPr>
-          <a:xfrm>
-            <a:off x="838200" y="2401338"/>
-            <a:ext cx="2017449" cy="1768381"/>
-          </a:xfrm>
-          <a:prstGeom prst="rect">
-            <a:avLst/>
-          </a:prstGeom>
-        </p:spPr>
-      </p:pic>
       <p:grpSp>
         <p:nvGrpSpPr>
           <p:cNvPr id="25" name="群組 24">
@@ -45323,6 +45293,36 @@
           </a:p>
         </p:txBody>
       </p:sp>
+      <p:pic>
+        <p:nvPicPr>
+          <p:cNvPr id="29" name="圖片 28">
+            <a:extLst>
+              <a:ext uri="{FF2B5EF4-FFF2-40B4-BE49-F238E27FC236}">
+                <a16:creationId xmlns:a16="http://schemas.microsoft.com/office/drawing/2014/main" id="{C632A363-0A01-294A-ABB1-2063A1C4FD1F}"/>
+              </a:ext>
+            </a:extLst>
+          </p:cNvPr>
+          <p:cNvPicPr>
+            <a:picLocks noChangeAspect="1"/>
+          </p:cNvPicPr>
+          <p:nvPr/>
+        </p:nvPicPr>
+        <p:blipFill>
+          <a:blip r:embed="rId5"/>
+          <a:stretch>
+            <a:fillRect/>
+          </a:stretch>
+        </p:blipFill>
+        <p:spPr>
+          <a:xfrm>
+            <a:off x="1089535" y="2369154"/>
+            <a:ext cx="1761061" cy="1832750"/>
+          </a:xfrm>
+          <a:prstGeom prst="rect">
+            <a:avLst/>
+          </a:prstGeom>
+        </p:spPr>
+      </p:pic>
     </p:spTree>
     <p:extLst>
       <p:ext uri="{BB962C8B-B14F-4D97-AF65-F5344CB8AC3E}">

--- a/模擬平台網頁_v2/教材簡報/第三單元、第四單元簡報_final.pptx
+++ b/模擬平台網頁_v2/教材簡報/第三單元、第四單元簡報_final.pptx
@@ -233,7 +233,7 @@
           <a:p>
             <a:fld id="{5EB97198-5DAF-994E-852E-8F3A4370FC2B}" type="datetimeFigureOut">
               <a:rPr kumimoji="1" lang="zh-TW" altLang="en-US" smtClean="0"/>
-              <a:t>2022/4/14</a:t>
+              <a:t>2022/4/20</a:t>
             </a:fld>
             <a:endParaRPr kumimoji="1" lang="zh-TW" altLang="en-US"/>
           </a:p>
@@ -647,7 +647,7 @@
           <a:p>
             <a:fld id="{4B4D149D-1AC6-0C4E-AB7E-19B2D9CBC675}" type="datetimeFigureOut">
               <a:rPr kumimoji="1" lang="zh-TW" altLang="en-US" smtClean="0"/>
-              <a:t>2022/4/14</a:t>
+              <a:t>2022/4/20</a:t>
             </a:fld>
             <a:endParaRPr kumimoji="1" lang="zh-TW" altLang="en-US"/>
           </a:p>
@@ -845,7 +845,7 @@
           <a:p>
             <a:fld id="{4B4D149D-1AC6-0C4E-AB7E-19B2D9CBC675}" type="datetimeFigureOut">
               <a:rPr kumimoji="1" lang="zh-TW" altLang="en-US" smtClean="0"/>
-              <a:t>2022/4/14</a:t>
+              <a:t>2022/4/20</a:t>
             </a:fld>
             <a:endParaRPr kumimoji="1" lang="zh-TW" altLang="en-US"/>
           </a:p>
@@ -1053,7 +1053,7 @@
           <a:p>
             <a:fld id="{4B4D149D-1AC6-0C4E-AB7E-19B2D9CBC675}" type="datetimeFigureOut">
               <a:rPr kumimoji="1" lang="zh-TW" altLang="en-US" smtClean="0"/>
-              <a:t>2022/4/14</a:t>
+              <a:t>2022/4/20</a:t>
             </a:fld>
             <a:endParaRPr kumimoji="1" lang="zh-TW" altLang="en-US"/>
           </a:p>
@@ -1251,7 +1251,7 @@
           <a:p>
             <a:fld id="{4B4D149D-1AC6-0C4E-AB7E-19B2D9CBC675}" type="datetimeFigureOut">
               <a:rPr kumimoji="1" lang="zh-TW" altLang="en-US" smtClean="0"/>
-              <a:t>2022/4/14</a:t>
+              <a:t>2022/4/20</a:t>
             </a:fld>
             <a:endParaRPr kumimoji="1" lang="zh-TW" altLang="en-US"/>
           </a:p>
@@ -1526,7 +1526,7 @@
           <a:p>
             <a:fld id="{4B4D149D-1AC6-0C4E-AB7E-19B2D9CBC675}" type="datetimeFigureOut">
               <a:rPr kumimoji="1" lang="zh-TW" altLang="en-US" smtClean="0"/>
-              <a:t>2022/4/14</a:t>
+              <a:t>2022/4/20</a:t>
             </a:fld>
             <a:endParaRPr kumimoji="1" lang="zh-TW" altLang="en-US"/>
           </a:p>
@@ -1791,7 +1791,7 @@
           <a:p>
             <a:fld id="{4B4D149D-1AC6-0C4E-AB7E-19B2D9CBC675}" type="datetimeFigureOut">
               <a:rPr kumimoji="1" lang="zh-TW" altLang="en-US" smtClean="0"/>
-              <a:t>2022/4/14</a:t>
+              <a:t>2022/4/20</a:t>
             </a:fld>
             <a:endParaRPr kumimoji="1" lang="zh-TW" altLang="en-US"/>
           </a:p>
@@ -2203,7 +2203,7 @@
           <a:p>
             <a:fld id="{4B4D149D-1AC6-0C4E-AB7E-19B2D9CBC675}" type="datetimeFigureOut">
               <a:rPr kumimoji="1" lang="zh-TW" altLang="en-US" smtClean="0"/>
-              <a:t>2022/4/14</a:t>
+              <a:t>2022/4/20</a:t>
             </a:fld>
             <a:endParaRPr kumimoji="1" lang="zh-TW" altLang="en-US"/>
           </a:p>
@@ -2344,7 +2344,7 @@
           <a:p>
             <a:fld id="{4B4D149D-1AC6-0C4E-AB7E-19B2D9CBC675}" type="datetimeFigureOut">
               <a:rPr kumimoji="1" lang="zh-TW" altLang="en-US" smtClean="0"/>
-              <a:t>2022/4/14</a:t>
+              <a:t>2022/4/20</a:t>
             </a:fld>
             <a:endParaRPr kumimoji="1" lang="zh-TW" altLang="en-US"/>
           </a:p>
@@ -2457,7 +2457,7 @@
           <a:p>
             <a:fld id="{4B4D149D-1AC6-0C4E-AB7E-19B2D9CBC675}" type="datetimeFigureOut">
               <a:rPr kumimoji="1" lang="zh-TW" altLang="en-US" smtClean="0"/>
-              <a:t>2022/4/14</a:t>
+              <a:t>2022/4/20</a:t>
             </a:fld>
             <a:endParaRPr kumimoji="1" lang="zh-TW" altLang="en-US"/>
           </a:p>
@@ -2768,7 +2768,7 @@
           <a:p>
             <a:fld id="{4B4D149D-1AC6-0C4E-AB7E-19B2D9CBC675}" type="datetimeFigureOut">
               <a:rPr kumimoji="1" lang="zh-TW" altLang="en-US" smtClean="0"/>
-              <a:t>2022/4/14</a:t>
+              <a:t>2022/4/20</a:t>
             </a:fld>
             <a:endParaRPr kumimoji="1" lang="zh-TW" altLang="en-US"/>
           </a:p>
@@ -3056,7 +3056,7 @@
           <a:p>
             <a:fld id="{4B4D149D-1AC6-0C4E-AB7E-19B2D9CBC675}" type="datetimeFigureOut">
               <a:rPr kumimoji="1" lang="zh-TW" altLang="en-US" smtClean="0"/>
-              <a:t>2022/4/14</a:t>
+              <a:t>2022/4/20</a:t>
             </a:fld>
             <a:endParaRPr kumimoji="1" lang="zh-TW" altLang="en-US"/>
           </a:p>
@@ -3297,7 +3297,7 @@
           <a:p>
             <a:fld id="{4B4D149D-1AC6-0C4E-AB7E-19B2D9CBC675}" type="datetimeFigureOut">
               <a:rPr kumimoji="1" lang="zh-TW" altLang="en-US" smtClean="0"/>
-              <a:t>2022/4/14</a:t>
+              <a:t>2022/4/20</a:t>
             </a:fld>
             <a:endParaRPr kumimoji="1" lang="zh-TW" altLang="en-US"/>
           </a:p>
@@ -5439,8 +5439,8 @@
             </a:p>
           </p:txBody>
         </p:sp>
-        <mc:AlternateContent xmlns:mc="http://schemas.openxmlformats.org/markup-compatibility/2006">
-          <mc:Choice xmlns:a14="http://schemas.microsoft.com/office/drawing/2010/main" Requires="a14">
+        <mc:AlternateContent xmlns:mc="http://schemas.openxmlformats.org/markup-compatibility/2006" xmlns:a14="http://schemas.microsoft.com/office/drawing/2010/main">
+          <mc:Choice Requires="a14">
             <p:sp>
               <p:nvSpPr>
                 <p:cNvPr id="47" name="文字方塊 46">
@@ -5714,7 +5714,7 @@
               </p:txBody>
             </p:sp>
           </mc:Choice>
-          <mc:Fallback>
+          <mc:Fallback xmlns="">
             <p:sp>
               <p:nvSpPr>
                 <p:cNvPr id="47" name="文字方塊 46">
@@ -7449,8 +7449,8 @@
             </a:p>
           </p:txBody>
         </p:sp>
-        <mc:AlternateContent xmlns:mc="http://schemas.openxmlformats.org/markup-compatibility/2006">
-          <mc:Choice xmlns:a14="http://schemas.microsoft.com/office/drawing/2010/main" Requires="a14">
+        <mc:AlternateContent xmlns:mc="http://schemas.openxmlformats.org/markup-compatibility/2006" xmlns:a14="http://schemas.microsoft.com/office/drawing/2010/main">
+          <mc:Choice Requires="a14">
             <p:sp>
               <p:nvSpPr>
                 <p:cNvPr id="47" name="文字方塊 46">
@@ -7724,7 +7724,7 @@
               </p:txBody>
             </p:sp>
           </mc:Choice>
-          <mc:Fallback>
+          <mc:Fallback xmlns="">
             <p:sp>
               <p:nvSpPr>
                 <p:cNvPr id="47" name="文字方塊 46">
@@ -16517,8 +16517,8 @@
             </a:p>
           </p:txBody>
         </p:sp>
-        <mc:AlternateContent xmlns:mc="http://schemas.openxmlformats.org/markup-compatibility/2006">
-          <mc:Choice xmlns:a14="http://schemas.microsoft.com/office/drawing/2010/main" Requires="a14">
+        <mc:AlternateContent xmlns:mc="http://schemas.openxmlformats.org/markup-compatibility/2006" xmlns:a14="http://schemas.microsoft.com/office/drawing/2010/main">
+          <mc:Choice Requires="a14">
             <p:sp>
               <p:nvSpPr>
                 <p:cNvPr id="47" name="文字方塊 46">
@@ -16736,7 +16736,7 @@
               </p:txBody>
             </p:sp>
           </mc:Choice>
-          <mc:Fallback>
+          <mc:Fallback xmlns="">
             <p:sp>
               <p:nvSpPr>
                 <p:cNvPr id="47" name="文字方塊 46">
@@ -18261,8 +18261,8 @@
             </a:p>
           </p:txBody>
         </p:sp>
-        <mc:AlternateContent xmlns:mc="http://schemas.openxmlformats.org/markup-compatibility/2006">
-          <mc:Choice xmlns:a14="http://schemas.microsoft.com/office/drawing/2010/main" Requires="a14">
+        <mc:AlternateContent xmlns:mc="http://schemas.openxmlformats.org/markup-compatibility/2006" xmlns:a14="http://schemas.microsoft.com/office/drawing/2010/main">
+          <mc:Choice Requires="a14">
             <p:sp>
               <p:nvSpPr>
                 <p:cNvPr id="47" name="文字方塊 46">
@@ -18480,7 +18480,7 @@
               </p:txBody>
             </p:sp>
           </mc:Choice>
-          <mc:Fallback>
+          <mc:Fallback xmlns="">
             <p:sp>
               <p:nvSpPr>
                 <p:cNvPr id="47" name="文字方塊 46">
@@ -20187,8 +20187,8 @@
             </a:p>
           </p:txBody>
         </p:sp>
-        <mc:AlternateContent xmlns:mc="http://schemas.openxmlformats.org/markup-compatibility/2006">
-          <mc:Choice xmlns:a14="http://schemas.microsoft.com/office/drawing/2010/main" Requires="a14">
+        <mc:AlternateContent xmlns:mc="http://schemas.openxmlformats.org/markup-compatibility/2006" xmlns:a14="http://schemas.microsoft.com/office/drawing/2010/main">
+          <mc:Choice Requires="a14">
             <p:sp>
               <p:nvSpPr>
                 <p:cNvPr id="47" name="文字方塊 46">
@@ -20406,7 +20406,7 @@
               </p:txBody>
             </p:sp>
           </mc:Choice>
-          <mc:Fallback>
+          <mc:Fallback xmlns="">
             <p:sp>
               <p:nvSpPr>
                 <p:cNvPr id="47" name="文字方塊 46">
@@ -22210,8 +22210,8 @@
             </a:p>
           </p:txBody>
         </p:sp>
-        <mc:AlternateContent xmlns:mc="http://schemas.openxmlformats.org/markup-compatibility/2006">
-          <mc:Choice xmlns:a14="http://schemas.microsoft.com/office/drawing/2010/main" Requires="a14">
+        <mc:AlternateContent xmlns:mc="http://schemas.openxmlformats.org/markup-compatibility/2006" xmlns:a14="http://schemas.microsoft.com/office/drawing/2010/main">
+          <mc:Choice Requires="a14">
             <p:sp>
               <p:nvSpPr>
                 <p:cNvPr id="47" name="文字方塊 46">
@@ -22429,7 +22429,7 @@
               </p:txBody>
             </p:sp>
           </mc:Choice>
-          <mc:Fallback>
+          <mc:Fallback xmlns="">
             <p:sp>
               <p:nvSpPr>
                 <p:cNvPr id="47" name="文字方塊 46">
@@ -24381,8 +24381,8 @@
             </a:p>
           </p:txBody>
         </p:sp>
-        <mc:AlternateContent xmlns:mc="http://schemas.openxmlformats.org/markup-compatibility/2006">
-          <mc:Choice xmlns:a14="http://schemas.microsoft.com/office/drawing/2010/main" Requires="a14">
+        <mc:AlternateContent xmlns:mc="http://schemas.openxmlformats.org/markup-compatibility/2006" xmlns:a14="http://schemas.microsoft.com/office/drawing/2010/main">
+          <mc:Choice Requires="a14">
             <p:sp>
               <p:nvSpPr>
                 <p:cNvPr id="47" name="文字方塊 46">
@@ -24600,7 +24600,7 @@
               </p:txBody>
             </p:sp>
           </mc:Choice>
-          <mc:Fallback>
+          <mc:Fallback xmlns="">
             <p:sp>
               <p:nvSpPr>
                 <p:cNvPr id="47" name="文字方塊 46">
@@ -33093,8 +33093,8 @@
             </a:p>
           </p:txBody>
         </p:sp>
-        <mc:AlternateContent xmlns:mc="http://schemas.openxmlformats.org/markup-compatibility/2006">
-          <mc:Choice xmlns:a14="http://schemas.microsoft.com/office/drawing/2010/main" Requires="a14">
+        <mc:AlternateContent xmlns:mc="http://schemas.openxmlformats.org/markup-compatibility/2006" xmlns:a14="http://schemas.microsoft.com/office/drawing/2010/main">
+          <mc:Choice Requires="a14">
             <p:sp>
               <p:nvSpPr>
                 <p:cNvPr id="47" name="文字方塊 46">
@@ -33344,7 +33344,7 @@
               </p:txBody>
             </p:sp>
           </mc:Choice>
-          <mc:Fallback>
+          <mc:Fallback xmlns="">
             <p:sp>
               <p:nvSpPr>
                 <p:cNvPr id="47" name="文字方塊 46">
@@ -35140,8 +35140,8 @@
             </a:p>
           </p:txBody>
         </p:sp>
-        <mc:AlternateContent xmlns:mc="http://schemas.openxmlformats.org/markup-compatibility/2006">
-          <mc:Choice xmlns:a14="http://schemas.microsoft.com/office/drawing/2010/main" Requires="a14">
+        <mc:AlternateContent xmlns:mc="http://schemas.openxmlformats.org/markup-compatibility/2006" xmlns:a14="http://schemas.microsoft.com/office/drawing/2010/main">
+          <mc:Choice Requires="a14">
             <p:sp>
               <p:nvSpPr>
                 <p:cNvPr id="47" name="文字方塊 46">
@@ -35391,7 +35391,7 @@
               </p:txBody>
             </p:sp>
           </mc:Choice>
-          <mc:Fallback>
+          <mc:Fallback xmlns="">
             <p:sp>
               <p:nvSpPr>
                 <p:cNvPr id="47" name="文字方塊 46">
@@ -37499,8 +37499,8 @@
             </a:p>
           </p:txBody>
         </p:sp>
-        <mc:AlternateContent xmlns:mc="http://schemas.openxmlformats.org/markup-compatibility/2006">
-          <mc:Choice xmlns:a14="http://schemas.microsoft.com/office/drawing/2010/main" Requires="a14">
+        <mc:AlternateContent xmlns:mc="http://schemas.openxmlformats.org/markup-compatibility/2006" xmlns:a14="http://schemas.microsoft.com/office/drawing/2010/main">
+          <mc:Choice Requires="a14">
             <p:sp>
               <p:nvSpPr>
                 <p:cNvPr id="47" name="文字方塊 46">
@@ -37750,7 +37750,7 @@
               </p:txBody>
             </p:sp>
           </mc:Choice>
-          <mc:Fallback>
+          <mc:Fallback xmlns="">
             <p:sp>
               <p:nvSpPr>
                 <p:cNvPr id="47" name="文字方塊 46">
@@ -39546,8 +39546,8 @@
             </a:p>
           </p:txBody>
         </p:sp>
-        <mc:AlternateContent xmlns:mc="http://schemas.openxmlformats.org/markup-compatibility/2006">
-          <mc:Choice xmlns:a14="http://schemas.microsoft.com/office/drawing/2010/main" Requires="a14">
+        <mc:AlternateContent xmlns:mc="http://schemas.openxmlformats.org/markup-compatibility/2006" xmlns:a14="http://schemas.microsoft.com/office/drawing/2010/main">
+          <mc:Choice Requires="a14">
             <p:sp>
               <p:nvSpPr>
                 <p:cNvPr id="47" name="文字方塊 46">
@@ -39797,7 +39797,7 @@
               </p:txBody>
             </p:sp>
           </mc:Choice>
-          <mc:Fallback>
+          <mc:Fallback xmlns="">
             <p:sp>
               <p:nvSpPr>
                 <p:cNvPr id="47" name="文字方塊 46">
